--- a/Progress_Status_2.pptx
+++ b/Progress_Status_2.pptx
@@ -371,7 +371,7 @@
             <a:fld id="{D4C110CA-FC68-43DA-BD62-0A387A11A067}" type="datetimeFigureOut">
               <a:rPr lang="en-US" smtClean="0"/>
               <a:pPr/>
-              <a:t>2/19/2022</a:t>
+              <a:t>3/6/22</a:t>
             </a:fld>
             <a:endParaRPr lang="en-US"/>
           </a:p>
@@ -791,7 +791,7 @@
             <a:fld id="{D4C110CA-FC68-43DA-BD62-0A387A11A067}" type="datetimeFigureOut">
               <a:rPr lang="en-US" smtClean="0"/>
               <a:pPr/>
-              <a:t>2/19/2022</a:t>
+              <a:t>3/6/22</a:t>
             </a:fld>
             <a:endParaRPr lang="en-US"/>
           </a:p>
@@ -1420,7 +1420,7 @@
           <a:p>
             <a:fld id="{569D7F56-AB9D-45DF-9F98-942E1E722FC5}" type="datetime1">
               <a:rPr lang="en-US" smtClean="0"/>
-              <a:t>2/19/2022</a:t>
+              <a:t>3/6/22</a:t>
             </a:fld>
             <a:endParaRPr lang="en-US"/>
           </a:p>
@@ -1748,7 +1748,7 @@
           <a:p>
             <a:fld id="{9C30D75E-8EE4-4FE8-BC40-DEE6124551E3}" type="datetime1">
               <a:rPr lang="en-US" smtClean="0"/>
-              <a:t>2/19/2022</a:t>
+              <a:t>3/6/22</a:t>
             </a:fld>
             <a:endParaRPr lang="en-US"/>
           </a:p>
@@ -1985,7 +1985,7 @@
           <p:cNvPr id="8" name="MSIPCMContentMarking" descr="{&quot;HashCode&quot;:-242339457,&quot;Placement&quot;:&quot;Footer&quot;}">
             <a:extLst>
               <a:ext uri="{FF2B5EF4-FFF2-40B4-BE49-F238E27FC236}">
-                <a16:creationId xmlns:a16="http://schemas.microsoft.com/office/drawing/2014/main" id="{14A6A8EE-9F92-4900-BAF5-FBD48B8CD07B}"/>
+                <a16:creationId xmlns:a16="http://schemas.microsoft.com/office/drawing/2014/main" xmlns="" id="{14A6A8EE-9F92-4900-BAF5-FBD48B8CD07B}"/>
               </a:ext>
             </a:extLst>
           </p:cNvPr>
@@ -2467,7 +2467,7 @@
           <a:graphicData uri="http://schemas.openxmlformats.org/presentationml/2006/ole">
             <mc:AlternateContent xmlns:mc="http://schemas.openxmlformats.org/markup-compatibility/2006">
               <mc:Choice xmlns:v="urn:schemas-microsoft-com:vml" Requires="v">
-                <p:oleObj spid="_x0000_s1045" name="think-cell Slide" r:id="rId6" imgW="270" imgH="270" progId="TCLayout.ActiveDocument.1">
+                <p:oleObj spid="_x0000_s1051" name="think-cell Slide" r:id="rId6" imgW="270" imgH="270" progId="TCLayout.ActiveDocument.1">
                   <p:embed/>
                 </p:oleObj>
               </mc:Choice>
@@ -2615,13 +2615,26 @@
               </a:rPr>
             </a:br>
             <a:r>
-              <a:rPr lang="en-US" b="1" dirty="0">
+              <a:rPr lang="en-US" b="1" dirty="0" smtClean="0">
                 <a:solidFill>
                   <a:srgbClr val="FF0000"/>
                 </a:solidFill>
               </a:rPr>
-              <a:t>2/20/21</a:t>
+              <a:t>3</a:t>
             </a:r>
+            <a:r>
+              <a:rPr lang="en-US" b="1" dirty="0" smtClean="0">
+                <a:solidFill>
+                  <a:srgbClr val="FF0000"/>
+                </a:solidFill>
+              </a:rPr>
+              <a:t>/6/2022</a:t>
+            </a:r>
+            <a:endParaRPr lang="en-US" b="1" dirty="0">
+              <a:solidFill>
+                <a:srgbClr val="FF0000"/>
+              </a:solidFill>
+            </a:endParaRPr>
           </a:p>
         </p:txBody>
       </p:sp>
@@ -2732,7 +2745,7 @@
           <p:cNvPr id="30" name="Rectangle: Rounded Corners 29">
             <a:extLst>
               <a:ext uri="{FF2B5EF4-FFF2-40B4-BE49-F238E27FC236}">
-                <a16:creationId xmlns:a16="http://schemas.microsoft.com/office/drawing/2014/main" id="{96B31DCE-FE26-4A50-8779-40C386056135}"/>
+                <a16:creationId xmlns:a16="http://schemas.microsoft.com/office/drawing/2014/main" xmlns="" id="{96B31DCE-FE26-4A50-8779-40C386056135}"/>
               </a:ext>
             </a:extLst>
           </p:cNvPr>
@@ -2811,7 +2824,7 @@
           <p:cNvPr id="31" name="Group 76">
             <a:extLst>
               <a:ext uri="{FF2B5EF4-FFF2-40B4-BE49-F238E27FC236}">
-                <a16:creationId xmlns:a16="http://schemas.microsoft.com/office/drawing/2014/main" id="{CC0A1483-DF3D-45BE-B887-CB285D84E8EA}"/>
+                <a16:creationId xmlns:a16="http://schemas.microsoft.com/office/drawing/2014/main" xmlns="" id="{CC0A1483-DF3D-45BE-B887-CB285D84E8EA}"/>
               </a:ext>
             </a:extLst>
           </p:cNvPr>
@@ -2821,7 +2834,7 @@
           <p:nvPr>
             <p:extLst>
               <p:ext uri="{D42A27DB-BD31-4B8C-83A1-F6EECF244321}">
-                <p14:modId xmlns:p14="http://schemas.microsoft.com/office/powerpoint/2010/main" val="1168293629"/>
+                <p14:modId xmlns:p14="http://schemas.microsoft.com/office/powerpoint/2010/main" val="18164858"/>
               </p:ext>
             </p:extLst>
           </p:nvPr>
@@ -2840,7 +2853,7 @@
                 <a:gridCol w="11734483">
                   <a:extLst>
                     <a:ext uri="{9D8B030D-6E8A-4147-A177-3AD203B41FA5}">
-                      <a16:colId xmlns:a16="http://schemas.microsoft.com/office/drawing/2014/main" val="20000"/>
+                      <a16:colId xmlns:a16="http://schemas.microsoft.com/office/drawing/2014/main" xmlns="" val="20000"/>
                     </a:ext>
                   </a:extLst>
                 </a:gridCol>
@@ -2870,7 +2883,7 @@
                         <a:tabLst/>
                       </a:pPr>
                       <a:r>
-                        <a:rPr kumimoji="0" lang="en-US" sz="1400" u="none" strike="noStrike" cap="none" normalizeH="0" baseline="0" dirty="0">
+                        <a:rPr kumimoji="0" lang="en-US" sz="2000" u="none" strike="noStrike" cap="none" normalizeH="0" baseline="0" dirty="0">
                           <a:ln>
                             <a:noFill/>
                           </a:ln>
@@ -2878,7 +2891,7 @@
                         </a:rPr>
                         <a:t>Project Description / Deliverables</a:t>
                       </a:r>
-                      <a:endParaRPr kumimoji="0" lang="en-US" sz="1400" b="1" i="1" u="none" strike="noStrike" cap="none" normalizeH="0" baseline="0" dirty="0">
+                      <a:endParaRPr kumimoji="0" lang="en-US" sz="2000" b="1" i="1" u="none" strike="noStrike" cap="none" normalizeH="0" baseline="0" dirty="0">
                         <a:ln>
                           <a:noFill/>
                         </a:ln>
@@ -2908,7 +2921,7 @@
                 </a:tc>
                 <a:extLst>
                   <a:ext uri="{0D108BD9-81ED-4DB2-BD59-A6C34878D82A}">
-                    <a16:rowId xmlns:a16="http://schemas.microsoft.com/office/drawing/2014/main" val="10000"/>
+                    <a16:rowId xmlns:a16="http://schemas.microsoft.com/office/drawing/2014/main" xmlns="" val="10000"/>
                   </a:ext>
                 </a:extLst>
               </a:tr>
@@ -2921,7 +2934,7 @@
           <p:cNvPr id="32" name="Group 77">
             <a:extLst>
               <a:ext uri="{FF2B5EF4-FFF2-40B4-BE49-F238E27FC236}">
-                <a16:creationId xmlns:a16="http://schemas.microsoft.com/office/drawing/2014/main" id="{98257ECF-45B8-481F-B073-88E6B4B91EDB}"/>
+                <a16:creationId xmlns:a16="http://schemas.microsoft.com/office/drawing/2014/main" xmlns="" id="{98257ECF-45B8-481F-B073-88E6B4B91EDB}"/>
               </a:ext>
             </a:extLst>
           </p:cNvPr>
@@ -2931,14 +2944,14 @@
           <p:nvPr>
             <p:extLst>
               <p:ext uri="{D42A27DB-BD31-4B8C-83A1-F6EECF244321}">
-                <p14:modId xmlns:p14="http://schemas.microsoft.com/office/powerpoint/2010/main" val="405452277"/>
+                <p14:modId xmlns:p14="http://schemas.microsoft.com/office/powerpoint/2010/main" val="1590802286"/>
               </p:ext>
             </p:extLst>
           </p:nvPr>
         </p:nvGraphicFramePr>
         <p:xfrm>
-          <a:off x="217730" y="5235326"/>
-          <a:ext cx="6377379" cy="1240192"/>
+          <a:off x="217731" y="5343478"/>
+          <a:ext cx="6301058" cy="1240192"/>
         </p:xfrm>
         <a:graphic>
           <a:graphicData uri="http://schemas.openxmlformats.org/drawingml/2006/table">
@@ -2947,10 +2960,10 @@
                 <a:tableStyleId>{69012ECD-51FC-41F1-AA8D-1B2483CD663E}</a:tableStyleId>
               </a:tblPr>
               <a:tblGrid>
-                <a:gridCol w="6377379">
+                <a:gridCol w="6301058">
                   <a:extLst>
                     <a:ext uri="{9D8B030D-6E8A-4147-A177-3AD203B41FA5}">
-                      <a16:colId xmlns:a16="http://schemas.microsoft.com/office/drawing/2014/main" val="20000"/>
+                      <a16:colId xmlns:a16="http://schemas.microsoft.com/office/drawing/2014/main" xmlns="" val="20000"/>
                     </a:ext>
                   </a:extLst>
                 </a:gridCol>
@@ -3009,7 +3022,7 @@
                 </a:tc>
                 <a:extLst>
                   <a:ext uri="{0D108BD9-81ED-4DB2-BD59-A6C34878D82A}">
-                    <a16:rowId xmlns:a16="http://schemas.microsoft.com/office/drawing/2014/main" val="10000"/>
+                    <a16:rowId xmlns:a16="http://schemas.microsoft.com/office/drawing/2014/main" xmlns="" val="10000"/>
                   </a:ext>
                 </a:extLst>
               </a:tr>
@@ -3096,7 +3109,7 @@
                 </a:tc>
                 <a:extLst>
                   <a:ext uri="{0D108BD9-81ED-4DB2-BD59-A6C34878D82A}">
-                    <a16:rowId xmlns:a16="http://schemas.microsoft.com/office/drawing/2014/main" val="10001"/>
+                    <a16:rowId xmlns:a16="http://schemas.microsoft.com/office/drawing/2014/main" xmlns="" val="10001"/>
                   </a:ext>
                 </a:extLst>
               </a:tr>
@@ -3109,7 +3122,7 @@
           <p:cNvPr id="33" name="Group 77">
             <a:extLst>
               <a:ext uri="{FF2B5EF4-FFF2-40B4-BE49-F238E27FC236}">
-                <a16:creationId xmlns:a16="http://schemas.microsoft.com/office/drawing/2014/main" id="{D1FFF23A-C9C0-4990-B613-435FE74B2902}"/>
+                <a16:creationId xmlns:a16="http://schemas.microsoft.com/office/drawing/2014/main" xmlns="" id="{D1FFF23A-C9C0-4990-B613-435FE74B2902}"/>
               </a:ext>
             </a:extLst>
           </p:cNvPr>
@@ -3119,14 +3132,14 @@
           <p:nvPr>
             <p:extLst>
               <p:ext uri="{D42A27DB-BD31-4B8C-83A1-F6EECF244321}">
-                <p14:modId xmlns:p14="http://schemas.microsoft.com/office/powerpoint/2010/main" val="3894735385"/>
+                <p14:modId xmlns:p14="http://schemas.microsoft.com/office/powerpoint/2010/main" val="1160536284"/>
               </p:ext>
             </p:extLst>
           </p:nvPr>
         </p:nvGraphicFramePr>
         <p:xfrm>
-          <a:off x="6656011" y="1664066"/>
-          <a:ext cx="5357104" cy="4817707"/>
+          <a:off x="6620127" y="1695314"/>
+          <a:ext cx="5333996" cy="4888356"/>
         </p:xfrm>
         <a:graphic>
           <a:graphicData uri="http://schemas.openxmlformats.org/drawingml/2006/table">
@@ -3135,15 +3148,15 @@
                 <a:tableStyleId>{69012ECD-51FC-41F1-AA8D-1B2483CD663E}</a:tableStyleId>
               </a:tblPr>
               <a:tblGrid>
-                <a:gridCol w="5357104">
+                <a:gridCol w="5333996">
                   <a:extLst>
                     <a:ext uri="{9D8B030D-6E8A-4147-A177-3AD203B41FA5}">
-                      <a16:colId xmlns:a16="http://schemas.microsoft.com/office/drawing/2014/main" val="20000"/>
+                      <a16:colId xmlns:a16="http://schemas.microsoft.com/office/drawing/2014/main" xmlns="" val="20000"/>
                     </a:ext>
                   </a:extLst>
                 </a:gridCol>
               </a:tblGrid>
-              <a:tr h="426235">
+              <a:tr h="609879">
                 <a:tc>
                   <a:txBody>
                     <a:bodyPr/>
@@ -3168,7 +3181,7 @@
                         <a:tabLst/>
                       </a:pPr>
                       <a:r>
-                        <a:rPr kumimoji="0" lang="en-US" sz="1400" b="1" i="0" u="none" strike="noStrike" cap="none" normalizeH="0" baseline="0" dirty="0">
+                        <a:rPr kumimoji="0" lang="en-US" sz="1800" b="1" i="0" u="none" strike="noStrike" cap="none" normalizeH="0" baseline="0" dirty="0">
                           <a:ln>
                             <a:noFill/>
                           </a:ln>
@@ -3191,11 +3204,11 @@
                 </a:tc>
                 <a:extLst>
                   <a:ext uri="{0D108BD9-81ED-4DB2-BD59-A6C34878D82A}">
-                    <a16:rowId xmlns:a16="http://schemas.microsoft.com/office/drawing/2014/main" val="10000"/>
+                    <a16:rowId xmlns:a16="http://schemas.microsoft.com/office/drawing/2014/main" xmlns="" val="10000"/>
                   </a:ext>
                 </a:extLst>
               </a:tr>
-              <a:tr h="4385217">
+              <a:tr h="4278477">
                 <a:tc>
                   <a:txBody>
                     <a:bodyPr/>
@@ -3215,67 +3228,7 @@
                         <a:buChar char="§"/>
                       </a:pPr>
                       <a:r>
-                        <a:rPr lang="en-GB" sz="1000" b="1" dirty="0">
-                          <a:latin typeface="+mn-lt"/>
-                          <a:cs typeface="+mn-cs"/>
-                        </a:rPr>
-                        <a:t>Creation of GitHub project and</a:t>
-                      </a:r>
-                      <a:r>
-                        <a:rPr lang="en-GB" sz="1000" b="1" baseline="0" dirty="0">
-                          <a:latin typeface="+mn-lt"/>
-                          <a:cs typeface="+mn-cs"/>
-                        </a:rPr>
-                        <a:t> practicing getting comfortable with GitHub so our code stays updated without losing anyone’s work</a:t>
-                      </a:r>
-                    </a:p>
-                    <a:p>
-                      <a:pPr marL="112395" marR="0" lvl="0" indent="-112395" algn="l" rtl="0" eaLnBrk="1" fontAlgn="base" latinLnBrk="0" hangingPunct="1">
-                        <a:lnSpc>
-                          <a:spcPct val="200000"/>
-                        </a:lnSpc>
-                        <a:spcBef>
-                          <a:spcPct val="0"/>
-                        </a:spcBef>
-                        <a:spcAft>
-                          <a:spcPct val="25000"/>
-                        </a:spcAft>
-                        <a:buFont typeface="Wingdings" pitchFamily="2" charset="2"/>
-                        <a:buChar char="§"/>
-                      </a:pPr>
-                      <a:r>
-                        <a:rPr kumimoji="0" lang="en-GB" sz="1000" b="1" u="none" strike="noStrike" kern="1200" cap="none" spc="0" normalizeH="0" baseline="0" noProof="0" dirty="0">
-                          <a:ln>
-                            <a:noFill/>
-                          </a:ln>
-                          <a:solidFill>
-                            <a:schemeClr val="tx1"/>
-                          </a:solidFill>
-                          <a:effectLst/>
-                          <a:uLnTx/>
-                          <a:uFillTx/>
-                          <a:latin typeface="+mn-lt"/>
-                          <a:cs typeface="+mn-cs"/>
-                        </a:rPr>
-                        <a:t>Review of Artificial Neural Networks and Random Forest methods</a:t>
-                      </a:r>
-                    </a:p>
-                    <a:p>
-                      <a:pPr marL="112395" marR="0" lvl="0" indent="-112395" algn="l" rtl="0" eaLnBrk="1" fontAlgn="base" latinLnBrk="0" hangingPunct="1">
-                        <a:lnSpc>
-                          <a:spcPct val="200000"/>
-                        </a:lnSpc>
-                        <a:spcBef>
-                          <a:spcPct val="0"/>
-                        </a:spcBef>
-                        <a:spcAft>
-                          <a:spcPct val="25000"/>
-                        </a:spcAft>
-                        <a:buFont typeface="Wingdings" pitchFamily="2" charset="2"/>
-                        <a:buChar char="§"/>
-                      </a:pPr>
-                      <a:r>
-                        <a:rPr kumimoji="0" lang="en-GB" sz="1000" b="1" u="none" strike="noStrike" kern="1200" cap="none" spc="0" normalizeH="0" baseline="0" noProof="0" dirty="0">
+                        <a:rPr kumimoji="0" lang="en-GB" sz="1000" b="1" u="none" strike="noStrike" kern="1200" cap="none" spc="0" normalizeH="0" baseline="0" noProof="0" dirty="0" smtClean="0">
                           <a:ln>
                             <a:noFill/>
                           </a:ln>
@@ -3286,7 +3239,7 @@
                           <a:uLnTx/>
                           <a:uFillTx/>
                         </a:rPr>
-                        <a:t>Review of residuals errors</a:t>
+                        <a:t>Detected outliers using boxplots of continuous inputs against the categorical inputs, then determined an instance to be an outlier if it was deemed an outlier at least 2 times</a:t>
                       </a:r>
                     </a:p>
                     <a:p>
@@ -3303,36 +3256,7 @@
                         <a:buFont typeface="Wingdings" pitchFamily="2" charset="2"/>
                         <a:buChar char="§"/>
                       </a:pPr>
-                      <a:r>
-                        <a:rPr kumimoji="0" lang="en-GB" sz="1000" b="1" u="none" strike="noStrike" kern="1200" cap="none" spc="0" normalizeH="0" baseline="0" noProof="0" dirty="0">
-                          <a:ln>
-                            <a:noFill/>
-                          </a:ln>
-                          <a:solidFill>
-                            <a:schemeClr val="tx1"/>
-                          </a:solidFill>
-                          <a:effectLst/>
-                          <a:uLnTx/>
-                          <a:uFillTx/>
-                        </a:rPr>
-                        <a:t>Review of outlier detection methods, and began to apply some methods (since we don’t have access in R to all methods mentioned in class)</a:t>
-                      </a:r>
-                    </a:p>
-                    <a:p>
-                      <a:pPr marL="112395" marR="0" lvl="0" indent="-112395" algn="l" rtl="0" eaLnBrk="1" fontAlgn="base" latinLnBrk="0" hangingPunct="1">
-                        <a:lnSpc>
-                          <a:spcPct val="100000"/>
-                        </a:lnSpc>
-                        <a:spcBef>
-                          <a:spcPct val="0"/>
-                        </a:spcBef>
-                        <a:spcAft>
-                          <a:spcPct val="25000"/>
-                        </a:spcAft>
-                        <a:buFont typeface="Wingdings" pitchFamily="2" charset="2"/>
-                        <a:buChar char="§"/>
-                      </a:pPr>
-                      <a:endParaRPr kumimoji="0" lang="en-GB" sz="1000" b="1" u="none" strike="noStrike" kern="1200" cap="none" spc="0" normalizeH="0" baseline="0" noProof="0" dirty="0">
+                      <a:endParaRPr kumimoji="0" lang="en-GB" sz="1000" b="1" u="none" strike="noStrike" kern="1200" cap="none" spc="0" normalizeH="0" baseline="0" noProof="0" dirty="0" smtClean="0">
                         <a:ln>
                           <a:noFill/>
                         </a:ln>
@@ -3359,7 +3283,7 @@
                         <a:buChar char="§"/>
                       </a:pPr>
                       <a:r>
-                        <a:rPr kumimoji="0" lang="en-GB" sz="1000" b="1" u="none" strike="noStrike" kern="1200" cap="none" spc="0" normalizeH="0" baseline="0" noProof="0" dirty="0">
+                        <a:rPr kumimoji="0" lang="en-GB" sz="1000" b="1" u="none" strike="noStrike" kern="1200" cap="none" spc="0" normalizeH="0" baseline="0" noProof="0" dirty="0" smtClean="0">
                           <a:ln>
                             <a:noFill/>
                           </a:ln>
@@ -3370,23 +3294,24 @@
                           <a:uLnTx/>
                           <a:uFillTx/>
                         </a:rPr>
-                        <a:t>Researched how to create </a:t>
+                        <a:t>Used the “factor” function in R to change the categorical variables to create dichotomous variables for each possible value </a:t>
                       </a:r>
-                      <a:r>
-                        <a:rPr kumimoji="0" lang="en-GB" sz="1000" b="1" u="none" strike="noStrike" kern="1200" cap="none" spc="0" normalizeH="0" baseline="0" noProof="0" dirty="0" err="1">
-                          <a:ln>
-                            <a:noFill/>
-                          </a:ln>
-                          <a:solidFill>
-                            <a:schemeClr val="tx1"/>
-                          </a:solidFill>
-                          <a:effectLst/>
-                          <a:uLnTx/>
-                          <a:uFillTx/>
-                        </a:rPr>
-                        <a:t>Rshiny</a:t>
-                      </a:r>
-                      <a:endParaRPr kumimoji="0" lang="en-GB" sz="1000" b="1" u="none" strike="noStrike" kern="1200" cap="none" spc="0" normalizeH="0" baseline="0" noProof="0" dirty="0">
+                    </a:p>
+                    <a:p>
+                      <a:pPr marL="112395" marR="0" lvl="0" indent="-112395" algn="l" rtl="0" eaLnBrk="1" fontAlgn="base" latinLnBrk="0" hangingPunct="1">
+                        <a:lnSpc>
+                          <a:spcPct val="100000"/>
+                        </a:lnSpc>
+                        <a:spcBef>
+                          <a:spcPct val="0"/>
+                        </a:spcBef>
+                        <a:spcAft>
+                          <a:spcPct val="25000"/>
+                        </a:spcAft>
+                        <a:buFont typeface="Wingdings" pitchFamily="2" charset="2"/>
+                        <a:buChar char="§"/>
+                      </a:pPr>
+                      <a:endParaRPr kumimoji="0" lang="en-GB" sz="1000" b="1" u="none" strike="noStrike" kern="1200" cap="none" spc="0" normalizeH="0" baseline="0" noProof="0" dirty="0" smtClean="0">
                         <a:ln>
                           <a:noFill/>
                         </a:ln>
@@ -3413,7 +3338,7 @@
                         <a:buChar char="§"/>
                       </a:pPr>
                       <a:r>
-                        <a:rPr kumimoji="0" lang="en-GB" sz="1000" b="1" u="none" strike="noStrike" kern="1200" cap="none" spc="0" normalizeH="0" baseline="0" noProof="0" dirty="0">
+                        <a:rPr kumimoji="0" lang="en-GB" sz="1000" b="1" u="none" strike="noStrike" kern="1200" cap="none" spc="0" normalizeH="0" baseline="0" noProof="0" dirty="0" smtClean="0">
                           <a:ln>
                             <a:noFill/>
                           </a:ln>
@@ -3424,7 +3349,7 @@
                           <a:uLnTx/>
                           <a:uFillTx/>
                         </a:rPr>
-                        <a:t>Created histograms and boxplots for each feature to understand what kind of data we are dealing with.</a:t>
+                        <a:t>Performed Linear regression, then removed the variables that were deemed insignificant and performed linear regression again</a:t>
                       </a:r>
                     </a:p>
                     <a:p>
@@ -3441,8 +3366,34 @@
                         <a:buFont typeface="Wingdings" pitchFamily="2" charset="2"/>
                         <a:buChar char="§"/>
                       </a:pPr>
+                      <a:endParaRPr kumimoji="0" lang="en-GB" sz="1000" b="1" u="none" strike="noStrike" kern="1200" cap="none" spc="0" normalizeH="0" baseline="0" noProof="0" dirty="0" smtClean="0">
+                        <a:ln>
+                          <a:noFill/>
+                        </a:ln>
+                        <a:solidFill>
+                          <a:schemeClr val="tx1"/>
+                        </a:solidFill>
+                        <a:effectLst/>
+                        <a:uLnTx/>
+                        <a:uFillTx/>
+                      </a:endParaRPr>
+                    </a:p>
+                    <a:p>
+                      <a:pPr marL="112395" marR="0" lvl="0" indent="-112395" algn="l" rtl="0" eaLnBrk="1" fontAlgn="base" latinLnBrk="0" hangingPunct="1">
+                        <a:lnSpc>
+                          <a:spcPct val="100000"/>
+                        </a:lnSpc>
+                        <a:spcBef>
+                          <a:spcPct val="0"/>
+                        </a:spcBef>
+                        <a:spcAft>
+                          <a:spcPct val="25000"/>
+                        </a:spcAft>
+                        <a:buFont typeface="Wingdings" pitchFamily="2" charset="2"/>
+                        <a:buChar char="§"/>
+                      </a:pPr>
                       <a:r>
-                        <a:rPr kumimoji="0" lang="en-GB" sz="1000" b="1" u="none" strike="noStrike" kern="1200" cap="none" spc="0" normalizeH="0" baseline="0" noProof="0" dirty="0">
+                        <a:rPr kumimoji="0" lang="en-GB" sz="1000" b="1" u="none" strike="noStrike" kern="1200" cap="none" spc="0" normalizeH="0" baseline="0" noProof="0" dirty="0" smtClean="0">
                           <a:ln>
                             <a:noFill/>
                           </a:ln>
@@ -3453,10 +3404,51 @@
                           <a:uLnTx/>
                           <a:uFillTx/>
                         </a:rPr>
-                        <a:t>Created a heatmap to see how the features correlate with </a:t>
+                        <a:t>Feature Selection</a:t>
                       </a:r>
+                    </a:p>
+                    <a:p>
+                      <a:pPr marL="112395" marR="0" lvl="0" indent="-112395" algn="l" rtl="0" eaLnBrk="1" fontAlgn="base" latinLnBrk="0" hangingPunct="1">
+                        <a:lnSpc>
+                          <a:spcPct val="100000"/>
+                        </a:lnSpc>
+                        <a:spcBef>
+                          <a:spcPct val="0"/>
+                        </a:spcBef>
+                        <a:spcAft>
+                          <a:spcPct val="25000"/>
+                        </a:spcAft>
+                        <a:buFont typeface="Wingdings" pitchFamily="2" charset="2"/>
+                        <a:buChar char="§"/>
+                      </a:pPr>
+                      <a:endParaRPr kumimoji="0" lang="en-GB" sz="1000" b="1" u="none" strike="noStrike" kern="1200" cap="none" spc="0" normalizeH="0" baseline="0" noProof="0" dirty="0" smtClean="0">
+                        <a:ln>
+                          <a:noFill/>
+                        </a:ln>
+                        <a:solidFill>
+                          <a:schemeClr val="tx1"/>
+                        </a:solidFill>
+                        <a:effectLst/>
+                        <a:uLnTx/>
+                        <a:uFillTx/>
+                      </a:endParaRPr>
+                    </a:p>
+                    <a:p>
+                      <a:pPr marL="112395" marR="0" lvl="0" indent="-112395" algn="l" rtl="0" eaLnBrk="1" fontAlgn="base" latinLnBrk="0" hangingPunct="1">
+                        <a:lnSpc>
+                          <a:spcPct val="100000"/>
+                        </a:lnSpc>
+                        <a:spcBef>
+                          <a:spcPct val="0"/>
+                        </a:spcBef>
+                        <a:spcAft>
+                          <a:spcPct val="25000"/>
+                        </a:spcAft>
+                        <a:buFont typeface="Wingdings" pitchFamily="2" charset="2"/>
+                        <a:buChar char="§"/>
+                      </a:pPr>
                       <a:r>
-                        <a:rPr kumimoji="0" lang="en-GB" sz="1000" b="1" u="none" strike="noStrike" kern="1200" cap="none" spc="0" normalizeH="0" baseline="0" noProof="0">
+                        <a:rPr kumimoji="0" lang="en-GB" sz="1000" b="1" u="none" strike="noStrike" kern="1200" cap="none" spc="0" normalizeH="0" baseline="0" noProof="0" dirty="0" smtClean="0">
                           <a:ln>
                             <a:noFill/>
                           </a:ln>
@@ -3467,7 +3459,184 @@
                           <a:uLnTx/>
                           <a:uFillTx/>
                         </a:rPr>
-                        <a:t>one another.</a:t>
+                        <a:t>Attempted Cross-Validation functions in R using ”</a:t>
+                      </a:r>
+                      <a:r>
+                        <a:rPr kumimoji="0" lang="en-GB" sz="1000" b="1" u="none" strike="noStrike" kern="1200" cap="none" spc="0" normalizeH="0" baseline="0" noProof="0" dirty="0" err="1" smtClean="0">
+                          <a:ln>
+                            <a:noFill/>
+                          </a:ln>
+                          <a:solidFill>
+                            <a:schemeClr val="tx1"/>
+                          </a:solidFill>
+                          <a:effectLst/>
+                          <a:uLnTx/>
+                          <a:uFillTx/>
+                        </a:rPr>
+                        <a:t>train_control</a:t>
+                      </a:r>
+                      <a:r>
+                        <a:rPr kumimoji="0" lang="en-GB" sz="1000" b="1" u="none" strike="noStrike" kern="1200" cap="none" spc="0" normalizeH="0" baseline="0" noProof="0" dirty="0" smtClean="0">
+                          <a:ln>
+                            <a:noFill/>
+                          </a:ln>
+                          <a:solidFill>
+                            <a:schemeClr val="tx1"/>
+                          </a:solidFill>
+                          <a:effectLst/>
+                          <a:uLnTx/>
+                          <a:uFillTx/>
+                        </a:rPr>
+                        <a:t>” and “train” from the </a:t>
+                      </a:r>
+                      <a:r>
+                        <a:rPr kumimoji="0" lang="en-GB" sz="1000" b="1" i="1" u="none" strike="noStrike" kern="1200" cap="none" spc="0" normalizeH="0" baseline="0" noProof="0" dirty="0" smtClean="0">
+                          <a:ln>
+                            <a:noFill/>
+                          </a:ln>
+                          <a:solidFill>
+                            <a:schemeClr val="tx1"/>
+                          </a:solidFill>
+                          <a:effectLst/>
+                          <a:uLnTx/>
+                          <a:uFillTx/>
+                        </a:rPr>
+                        <a:t>caret </a:t>
+                      </a:r>
+                      <a:r>
+                        <a:rPr kumimoji="0" lang="en-GB" sz="1000" b="1" i="0" u="none" strike="noStrike" kern="1200" cap="none" spc="0" normalizeH="0" baseline="0" noProof="0" dirty="0" smtClean="0">
+                          <a:ln>
+                            <a:noFill/>
+                          </a:ln>
+                          <a:solidFill>
+                            <a:schemeClr val="tx1"/>
+                          </a:solidFill>
+                          <a:effectLst/>
+                          <a:uLnTx/>
+                          <a:uFillTx/>
+                        </a:rPr>
+                        <a:t> package</a:t>
+                      </a:r>
+                      <a:endParaRPr kumimoji="0" lang="en-GB" sz="1000" b="1" u="none" strike="noStrike" kern="1200" cap="none" spc="0" normalizeH="0" baseline="0" noProof="0" dirty="0" smtClean="0">
+                        <a:ln>
+                          <a:noFill/>
+                        </a:ln>
+                        <a:solidFill>
+                          <a:schemeClr val="tx1"/>
+                        </a:solidFill>
+                        <a:effectLst/>
+                        <a:uLnTx/>
+                        <a:uFillTx/>
+                      </a:endParaRPr>
+                    </a:p>
+                    <a:p>
+                      <a:pPr marL="112395" marR="0" lvl="0" indent="-112395" algn="l" rtl="0" eaLnBrk="1" fontAlgn="base" latinLnBrk="0" hangingPunct="1">
+                        <a:lnSpc>
+                          <a:spcPct val="100000"/>
+                        </a:lnSpc>
+                        <a:spcBef>
+                          <a:spcPct val="0"/>
+                        </a:spcBef>
+                        <a:spcAft>
+                          <a:spcPct val="25000"/>
+                        </a:spcAft>
+                        <a:buFont typeface="Wingdings" pitchFamily="2" charset="2"/>
+                        <a:buChar char="§"/>
+                      </a:pPr>
+                      <a:endParaRPr kumimoji="0" lang="en-GB" sz="1000" b="1" u="none" strike="noStrike" kern="1200" cap="none" spc="0" normalizeH="0" baseline="0" noProof="0" dirty="0" smtClean="0">
+                        <a:ln>
+                          <a:noFill/>
+                        </a:ln>
+                        <a:solidFill>
+                          <a:schemeClr val="tx1"/>
+                        </a:solidFill>
+                        <a:effectLst/>
+                        <a:uLnTx/>
+                        <a:uFillTx/>
+                      </a:endParaRPr>
+                    </a:p>
+                    <a:p>
+                      <a:pPr marL="112395" marR="0" lvl="0" indent="-112395" algn="l" rtl="0" eaLnBrk="1" fontAlgn="base" latinLnBrk="0" hangingPunct="1">
+                        <a:lnSpc>
+                          <a:spcPct val="100000"/>
+                        </a:lnSpc>
+                        <a:spcBef>
+                          <a:spcPct val="0"/>
+                        </a:spcBef>
+                        <a:spcAft>
+                          <a:spcPct val="25000"/>
+                        </a:spcAft>
+                        <a:buFont typeface="Wingdings" pitchFamily="2" charset="2"/>
+                        <a:buChar char="§"/>
+                      </a:pPr>
+                      <a:r>
+                        <a:rPr kumimoji="0" lang="en-GB" sz="1000" b="1" u="none" strike="noStrike" kern="1200" cap="none" spc="0" normalizeH="0" baseline="0" noProof="0" dirty="0" smtClean="0">
+                          <a:ln>
+                            <a:noFill/>
+                          </a:ln>
+                          <a:solidFill>
+                            <a:schemeClr val="tx1"/>
+                          </a:solidFill>
+                          <a:effectLst/>
+                          <a:uLnTx/>
+                          <a:uFillTx/>
+                        </a:rPr>
+                        <a:t>PCA?</a:t>
+                      </a:r>
+                    </a:p>
+                    <a:p>
+                      <a:pPr marL="112395" marR="0" lvl="0" indent="-112395" algn="l" rtl="0" eaLnBrk="1" fontAlgn="base" latinLnBrk="0" hangingPunct="1">
+                        <a:lnSpc>
+                          <a:spcPct val="100000"/>
+                        </a:lnSpc>
+                        <a:spcBef>
+                          <a:spcPct val="0"/>
+                        </a:spcBef>
+                        <a:spcAft>
+                          <a:spcPct val="25000"/>
+                        </a:spcAft>
+                        <a:buFont typeface="Wingdings" pitchFamily="2" charset="2"/>
+                        <a:buChar char="§"/>
+                      </a:pPr>
+                      <a:endParaRPr kumimoji="0" lang="en-GB" sz="1000" b="1" u="none" strike="noStrike" kern="1200" cap="none" spc="0" normalizeH="0" baseline="0" noProof="0" dirty="0" smtClean="0">
+                        <a:ln>
+                          <a:noFill/>
+                        </a:ln>
+                        <a:solidFill>
+                          <a:schemeClr val="tx1"/>
+                        </a:solidFill>
+                        <a:effectLst/>
+                        <a:uLnTx/>
+                        <a:uFillTx/>
+                      </a:endParaRPr>
+                    </a:p>
+                    <a:p>
+                      <a:pPr marL="112395" marR="0" lvl="0" indent="-112395" algn="l" rtl="0" eaLnBrk="1" fontAlgn="base" latinLnBrk="0" hangingPunct="1">
+                        <a:lnSpc>
+                          <a:spcPct val="100000"/>
+                        </a:lnSpc>
+                        <a:spcBef>
+                          <a:spcPct val="0"/>
+                        </a:spcBef>
+                        <a:spcAft>
+                          <a:spcPct val="25000"/>
+                        </a:spcAft>
+                        <a:buFont typeface="Wingdings" pitchFamily="2" charset="2"/>
+                        <a:buChar char="§"/>
+                      </a:pPr>
+                      <a:r>
+                        <a:rPr kumimoji="0" lang="en-GB" sz="1000" b="1" u="none" strike="noStrike" kern="1200" cap="none" spc="0" normalizeH="0" baseline="0" noProof="0" dirty="0" smtClean="0">
+                          <a:ln>
+                            <a:noFill/>
+                          </a:ln>
+                          <a:solidFill>
+                            <a:schemeClr val="tx1"/>
+                          </a:solidFill>
+                          <a:effectLst/>
+                          <a:uLnTx/>
+                          <a:uFillTx/>
+                        </a:rPr>
+                        <a:t>Began looking into Random Forest</a:t>
                       </a:r>
                       <a:endParaRPr kumimoji="0" lang="en-GB" sz="1000" b="1" u="none" strike="noStrike" kern="1200" cap="none" spc="0" normalizeH="0" baseline="0" noProof="0" dirty="0">
                         <a:ln>
@@ -3490,7 +3659,7 @@
                 </a:tc>
                 <a:extLst>
                   <a:ext uri="{0D108BD9-81ED-4DB2-BD59-A6C34878D82A}">
-                    <a16:rowId xmlns:a16="http://schemas.microsoft.com/office/drawing/2014/main" val="10001"/>
+                    <a16:rowId xmlns:a16="http://schemas.microsoft.com/office/drawing/2014/main" xmlns="" val="10001"/>
                   </a:ext>
                 </a:extLst>
               </a:tr>
@@ -3503,7 +3672,7 @@
           <p:cNvPr id="36" name="Rectangle: Rounded Corners 35">
             <a:extLst>
               <a:ext uri="{FF2B5EF4-FFF2-40B4-BE49-F238E27FC236}">
-                <a16:creationId xmlns:a16="http://schemas.microsoft.com/office/drawing/2014/main" id="{BB735C57-A501-4D95-BE54-CE03563D7929}"/>
+                <a16:creationId xmlns:a16="http://schemas.microsoft.com/office/drawing/2014/main" xmlns="" id="{BB735C57-A501-4D95-BE54-CE03563D7929}"/>
               </a:ext>
             </a:extLst>
           </p:cNvPr>
@@ -3582,7 +3751,7 @@
           <p:cNvPr id="37" name="Group 79">
             <a:extLst>
               <a:ext uri="{FF2B5EF4-FFF2-40B4-BE49-F238E27FC236}">
-                <a16:creationId xmlns:a16="http://schemas.microsoft.com/office/drawing/2014/main" id="{0B10B350-64ED-4B92-9E40-03FF6E86DBF6}"/>
+                <a16:creationId xmlns:a16="http://schemas.microsoft.com/office/drawing/2014/main" xmlns="" id="{0B10B350-64ED-4B92-9E40-03FF6E86DBF6}"/>
               </a:ext>
             </a:extLst>
           </p:cNvPr>
@@ -3611,14 +3780,14 @@
                 <a:gridCol w="2572795">
                   <a:extLst>
                     <a:ext uri="{9D8B030D-6E8A-4147-A177-3AD203B41FA5}">
-                      <a16:colId xmlns:a16="http://schemas.microsoft.com/office/drawing/2014/main" val="20000"/>
+                      <a16:colId xmlns:a16="http://schemas.microsoft.com/office/drawing/2014/main" xmlns="" val="20000"/>
                     </a:ext>
                   </a:extLst>
                 </a:gridCol>
                 <a:gridCol w="1594108">
                   <a:extLst>
                     <a:ext uri="{9D8B030D-6E8A-4147-A177-3AD203B41FA5}">
-                      <a16:colId xmlns:a16="http://schemas.microsoft.com/office/drawing/2014/main" val="20001"/>
+                      <a16:colId xmlns:a16="http://schemas.microsoft.com/office/drawing/2014/main" xmlns="" val="20001"/>
                     </a:ext>
                   </a:extLst>
                 </a:gridCol>
@@ -3807,7 +3976,7 @@
                 </a:tc>
                 <a:extLst>
                   <a:ext uri="{0D108BD9-81ED-4DB2-BD59-A6C34878D82A}">
-                    <a16:rowId xmlns:a16="http://schemas.microsoft.com/office/drawing/2014/main" val="10000"/>
+                    <a16:rowId xmlns:a16="http://schemas.microsoft.com/office/drawing/2014/main" xmlns="" val="10000"/>
                   </a:ext>
                 </a:extLst>
               </a:tr>
@@ -3995,7 +4164,7 @@
                 </a:tc>
                 <a:extLst>
                   <a:ext uri="{0D108BD9-81ED-4DB2-BD59-A6C34878D82A}">
-                    <a16:rowId xmlns:a16="http://schemas.microsoft.com/office/drawing/2014/main" val="10001"/>
+                    <a16:rowId xmlns:a16="http://schemas.microsoft.com/office/drawing/2014/main" xmlns="" val="10001"/>
                   </a:ext>
                 </a:extLst>
               </a:tr>
@@ -4008,7 +4177,7 @@
           <p:cNvPr id="38" name="Tabelle 20">
             <a:extLst>
               <a:ext uri="{FF2B5EF4-FFF2-40B4-BE49-F238E27FC236}">
-                <a16:creationId xmlns:a16="http://schemas.microsoft.com/office/drawing/2014/main" id="{EC9F2797-F988-44CB-8382-693DBC8A0F21}"/>
+                <a16:creationId xmlns:a16="http://schemas.microsoft.com/office/drawing/2014/main" xmlns="" id="{EC9F2797-F988-44CB-8382-693DBC8A0F21}"/>
               </a:ext>
             </a:extLst>
           </p:cNvPr>
@@ -4018,7 +4187,7 @@
           <p:nvPr>
             <p:extLst>
               <p:ext uri="{D42A27DB-BD31-4B8C-83A1-F6EECF244321}">
-                <p14:modId xmlns:p14="http://schemas.microsoft.com/office/powerpoint/2010/main" val="289635624"/>
+                <p14:modId xmlns:p14="http://schemas.microsoft.com/office/powerpoint/2010/main" val="879968900"/>
               </p:ext>
             </p:extLst>
           </p:nvPr>
@@ -4037,14 +4206,14 @@
                 <a:gridCol w="1028731">
                   <a:extLst>
                     <a:ext uri="{9D8B030D-6E8A-4147-A177-3AD203B41FA5}">
-                      <a16:colId xmlns:a16="http://schemas.microsoft.com/office/drawing/2014/main" val="20000"/>
+                      <a16:colId xmlns:a16="http://schemas.microsoft.com/office/drawing/2014/main" xmlns="" val="20000"/>
                     </a:ext>
                   </a:extLst>
                 </a:gridCol>
                 <a:gridCol w="801637">
                   <a:extLst>
                     <a:ext uri="{9D8B030D-6E8A-4147-A177-3AD203B41FA5}">
-                      <a16:colId xmlns:a16="http://schemas.microsoft.com/office/drawing/2014/main" val="20001"/>
+                      <a16:colId xmlns:a16="http://schemas.microsoft.com/office/drawing/2014/main" xmlns="" val="20001"/>
                     </a:ext>
                   </a:extLst>
                 </a:gridCol>
@@ -4055,7 +4224,7 @@
                     <a:bodyPr/>
                     <a:lstStyle/>
                     <a:p>
-                      <a:pPr marL="0" marR="0" indent="0" algn="l" defTabSz="914400" rtl="0" eaLnBrk="1" fontAlgn="auto" latinLnBrk="0" hangingPunct="1">
+                      <a:pPr marL="0" marR="0" indent="0" algn="ctr" defTabSz="914400" rtl="0" eaLnBrk="1" fontAlgn="auto" latinLnBrk="0" hangingPunct="1">
                         <a:lnSpc>
                           <a:spcPct val="100000"/>
                         </a:lnSpc>
@@ -4226,7 +4395,7 @@
                 </a:tc>
                 <a:extLst>
                   <a:ext uri="{0D108BD9-81ED-4DB2-BD59-A6C34878D82A}">
-                    <a16:rowId xmlns:a16="http://schemas.microsoft.com/office/drawing/2014/main" val="10000"/>
+                    <a16:rowId xmlns:a16="http://schemas.microsoft.com/office/drawing/2014/main" xmlns="" val="10000"/>
                   </a:ext>
                 </a:extLst>
               </a:tr>
@@ -4239,7 +4408,7 @@
           <p:cNvPr id="8" name="TextBox 7">
             <a:extLst>
               <a:ext uri="{FF2B5EF4-FFF2-40B4-BE49-F238E27FC236}">
-                <a16:creationId xmlns:a16="http://schemas.microsoft.com/office/drawing/2014/main" id="{44E3C0C7-7427-4CB3-B854-12CD21E5D4DD}"/>
+                <a16:creationId xmlns:a16="http://schemas.microsoft.com/office/drawing/2014/main" xmlns="" id="{44E3C0C7-7427-4CB3-B854-12CD21E5D4DD}"/>
               </a:ext>
             </a:extLst>
           </p:cNvPr>
@@ -4248,8 +4417,8 @@
         </p:nvSpPr>
         <p:spPr bwMode="gray">
           <a:xfrm>
-            <a:off x="217731" y="1664065"/>
-            <a:ext cx="6377379" cy="3492473"/>
+            <a:off x="217732" y="1723057"/>
+            <a:ext cx="6301056" cy="3512268"/>
           </a:xfrm>
           <a:prstGeom prst="rect">
             <a:avLst/>
@@ -4326,226 +4495,14 @@
                 <a:latin typeface="Arial"/>
                 <a:cs typeface="Arial"/>
               </a:rPr>
-              <a:t>Deliverables:</a:t>
+              <a:t>Deliverables</a:t>
             </a:r>
-          </a:p>
-          <a:p>
-            <a:pPr marL="299085" indent="-228600" fontAlgn="base">
-              <a:spcBef>
-                <a:spcPct val="0"/>
-              </a:spcBef>
-              <a:spcAft>
-                <a:spcPts val="315"/>
-              </a:spcAft>
-              <a:buClr>
-                <a:srgbClr val="00BCFF"/>
-              </a:buClr>
-              <a:buAutoNum type="arabicPeriod"/>
-              <a:defRPr/>
-            </a:pPr>
             <a:r>
-              <a:rPr lang="en-GB" sz="1000" b="1" i="0" u="none" strike="noStrike" kern="1200" cap="none" spc="0" normalizeH="0" noProof="0" dirty="0">
-                <a:ln>
-                  <a:noFill/>
-                </a:ln>
-                <a:effectLst/>
-                <a:uLnTx/>
-                <a:uFillTx/>
+              <a:rPr lang="en-GB" sz="1000" b="1" dirty="0" smtClean="0">
                 <a:latin typeface="Arial"/>
                 <a:cs typeface="Arial"/>
               </a:rPr>
-              <a:t>Pre-Process Data:</a:t>
-            </a:r>
-          </a:p>
-          <a:p>
-            <a:pPr marL="756285" lvl="1" indent="-228600" fontAlgn="base">
-              <a:spcBef>
-                <a:spcPct val="0"/>
-              </a:spcBef>
-              <a:spcAft>
-                <a:spcPts val="315"/>
-              </a:spcAft>
-              <a:buClr>
-                <a:srgbClr val="00BCFF"/>
-              </a:buClr>
-              <a:buAutoNum type="arabicPeriod"/>
-              <a:defRPr/>
-            </a:pPr>
-            <a:r>
-              <a:rPr lang="en-GB" sz="1000" b="1" dirty="0">
-                <a:latin typeface="Arial"/>
-                <a:cs typeface="Arial"/>
-              </a:rPr>
-              <a:t>Detect Outliers</a:t>
-            </a:r>
-            <a:endParaRPr lang="en-GB" sz="1000" b="1" i="0" u="none" strike="noStrike" kern="1200" cap="none" spc="0" normalizeH="0" noProof="0" dirty="0">
-              <a:ln>
-                <a:noFill/>
-              </a:ln>
-              <a:effectLst/>
-              <a:uLnTx/>
-              <a:uFillTx/>
-              <a:latin typeface="Arial"/>
-              <a:cs typeface="Arial"/>
-            </a:endParaRPr>
-          </a:p>
-          <a:p>
-            <a:pPr marL="299085" indent="-228600" fontAlgn="base">
-              <a:spcBef>
-                <a:spcPct val="0"/>
-              </a:spcBef>
-              <a:spcAft>
-                <a:spcPts val="315"/>
-              </a:spcAft>
-              <a:buClr>
-                <a:srgbClr val="00BCFF"/>
-              </a:buClr>
-              <a:buAutoNum type="arabicPeriod"/>
-              <a:defRPr/>
-            </a:pPr>
-            <a:r>
-              <a:rPr lang="en-GB" sz="1000" b="1" i="0" u="none" strike="noStrike" kern="1200" cap="none" spc="0" normalizeH="0" noProof="0" dirty="0">
-                <a:ln>
-                  <a:noFill/>
-                </a:ln>
-                <a:effectLst/>
-                <a:uLnTx/>
-                <a:uFillTx/>
-                <a:latin typeface="Arial"/>
-                <a:cs typeface="Arial"/>
-              </a:rPr>
-              <a:t>Predictive Model:</a:t>
-            </a:r>
-          </a:p>
-          <a:p>
-            <a:pPr marL="756285" lvl="1" indent="-228600" fontAlgn="base">
-              <a:spcBef>
-                <a:spcPct val="0"/>
-              </a:spcBef>
-              <a:spcAft>
-                <a:spcPts val="315"/>
-              </a:spcAft>
-              <a:buClr>
-                <a:srgbClr val="00BCFF"/>
-              </a:buClr>
-              <a:buAutoNum type="arabicPeriod"/>
-              <a:defRPr/>
-            </a:pPr>
-            <a:r>
-              <a:rPr lang="en-GB" sz="1000" b="1" baseline="0" dirty="0">
-                <a:latin typeface="Arial"/>
-                <a:cs typeface="Arial"/>
-              </a:rPr>
-              <a:t>ANN</a:t>
-            </a:r>
-          </a:p>
-          <a:p>
-            <a:pPr marL="756285" lvl="1" indent="-228600" fontAlgn="base">
-              <a:spcBef>
-                <a:spcPct val="0"/>
-              </a:spcBef>
-              <a:spcAft>
-                <a:spcPts val="315"/>
-              </a:spcAft>
-              <a:buClr>
-                <a:srgbClr val="00BCFF"/>
-              </a:buClr>
-              <a:buAutoNum type="arabicPeriod"/>
-              <a:defRPr/>
-            </a:pPr>
-            <a:r>
-              <a:rPr lang="en-GB" sz="1000" b="1" i="0" u="none" strike="noStrike" kern="1200" cap="none" spc="0" normalizeH="0" noProof="0" dirty="0">
-                <a:ln>
-                  <a:noFill/>
-                </a:ln>
-                <a:effectLst/>
-                <a:uLnTx/>
-                <a:uFillTx/>
-                <a:latin typeface="Arial"/>
-                <a:cs typeface="Arial"/>
-              </a:rPr>
-              <a:t>Random Forest</a:t>
-            </a:r>
-          </a:p>
-          <a:p>
-            <a:pPr marL="756285" lvl="1" indent="-228600" fontAlgn="base">
-              <a:spcBef>
-                <a:spcPct val="0"/>
-              </a:spcBef>
-              <a:spcAft>
-                <a:spcPts val="315"/>
-              </a:spcAft>
-              <a:buClr>
-                <a:srgbClr val="00BCFF"/>
-              </a:buClr>
-              <a:buAutoNum type="arabicPeriod"/>
-              <a:defRPr/>
-            </a:pPr>
-            <a:r>
-              <a:rPr lang="en-GB" sz="1000" b="1" baseline="0" dirty="0">
-                <a:latin typeface="Arial"/>
-                <a:cs typeface="Arial"/>
-              </a:rPr>
-              <a:t>Calculate</a:t>
-            </a:r>
-            <a:r>
-              <a:rPr lang="en-GB" sz="1000" b="1" dirty="0">
-                <a:latin typeface="Arial"/>
-                <a:cs typeface="Arial"/>
-              </a:rPr>
-              <a:t> Errors</a:t>
-            </a:r>
-            <a:endParaRPr lang="en-GB" sz="1000" b="1" i="0" u="none" strike="noStrike" kern="1200" cap="none" spc="0" normalizeH="0" baseline="0" noProof="0" dirty="0">
-              <a:ln>
-                <a:noFill/>
-              </a:ln>
-              <a:effectLst/>
-              <a:uLnTx/>
-              <a:uFillTx/>
-              <a:latin typeface="Arial"/>
-              <a:cs typeface="Arial"/>
-            </a:endParaRPr>
-          </a:p>
-          <a:p>
-            <a:pPr marL="299085" indent="-228600" fontAlgn="base">
-              <a:spcBef>
-                <a:spcPct val="0"/>
-              </a:spcBef>
-              <a:spcAft>
-                <a:spcPts val="315"/>
-              </a:spcAft>
-              <a:buClr>
-                <a:srgbClr val="00BCFF"/>
-              </a:buClr>
-              <a:buFont typeface="+mj-lt"/>
-              <a:buAutoNum type="arabicPeriod"/>
-              <a:defRPr/>
-            </a:pPr>
-            <a:r>
-              <a:rPr lang="en-GB" sz="1000" b="1" i="0" u="none" strike="noStrike" kern="1200" cap="none" spc="0" normalizeH="0" baseline="0" noProof="0" dirty="0">
-                <a:ln>
-                  <a:noFill/>
-                </a:ln>
-                <a:effectLst/>
-                <a:uLnTx/>
-                <a:uFillTx/>
-                <a:latin typeface="Arial"/>
-                <a:cs typeface="Arial"/>
-              </a:rPr>
-              <a:t>RShiny</a:t>
-            </a:r>
-            <a:r>
-              <a:rPr lang="en-GB" sz="1000" b="1" i="0" u="none" strike="noStrike" kern="1200" cap="none" spc="0" normalizeH="0" noProof="0" dirty="0">
-                <a:ln>
-                  <a:noFill/>
-                </a:ln>
-                <a:effectLst/>
-                <a:uLnTx/>
-                <a:uFillTx/>
-                <a:latin typeface="Arial"/>
-                <a:cs typeface="Arial"/>
-              </a:rPr>
-              <a:t> Feature:</a:t>
+              <a:t>:</a:t>
             </a:r>
           </a:p>
           <a:p>
@@ -4564,11 +4521,11 @@
               <a:defRPr/>
             </a:pPr>
             <a:r>
-              <a:rPr lang="en-GB" sz="1000" b="1" dirty="0">
+              <a:rPr lang="en-GB" sz="1000" b="1" dirty="0" smtClean="0">
                 <a:latin typeface="Arial"/>
                 <a:cs typeface="Arial"/>
               </a:rPr>
-              <a:t>Create</a:t>
+              <a:t>Linear Regression model with Feature Selection and Cross-Validation</a:t>
             </a:r>
           </a:p>
           <a:p>
@@ -4587,17 +4544,11 @@
               <a:defRPr/>
             </a:pPr>
             <a:r>
-              <a:rPr lang="en-GB" sz="1000" b="1" i="0" u="none" strike="noStrike" kern="1200" cap="none" spc="0" normalizeH="0" noProof="0" dirty="0">
-                <a:ln>
-                  <a:noFill/>
-                </a:ln>
-                <a:effectLst/>
-                <a:uLnTx/>
-                <a:uFillTx/>
+              <a:rPr lang="en-GB" sz="1000" b="1" dirty="0" smtClean="0">
                 <a:latin typeface="Arial"/>
                 <a:cs typeface="Arial"/>
               </a:rPr>
-              <a:t>Test</a:t>
+              <a:t>Random Forest model with Feature Selection and Cross-Validation</a:t>
             </a:r>
           </a:p>
           <a:p>
@@ -4615,13 +4566,129 @@
               <a:buAutoNum type="arabicPeriod"/>
               <a:defRPr/>
             </a:pPr>
-            <a:endParaRPr lang="en-GB" sz="1000" b="1" i="0" u="none" strike="noStrike" kern="1200" cap="none" spc="0" normalizeH="0" baseline="0" noProof="0" dirty="0">
-              <a:ln>
-                <a:noFill/>
-              </a:ln>
-              <a:effectLst/>
-              <a:uLnTx/>
-              <a:uFillTx/>
+            <a:r>
+              <a:rPr lang="en-GB" sz="1000" b="1" dirty="0" smtClean="0">
+                <a:latin typeface="Arial"/>
+                <a:cs typeface="Arial"/>
+              </a:rPr>
+              <a:t>Model comparison</a:t>
+            </a:r>
+          </a:p>
+          <a:p>
+            <a:pPr marL="756285" lvl="1" indent="-228600" fontAlgn="base">
+              <a:spcBef>
+                <a:spcPct val="0"/>
+              </a:spcBef>
+              <a:spcAft>
+                <a:spcPts val="315"/>
+              </a:spcAft>
+              <a:buClr>
+                <a:srgbClr val="00BCFF"/>
+              </a:buClr>
+              <a:buFont typeface="+mj-lt"/>
+              <a:buAutoNum type="arabicPeriod"/>
+              <a:defRPr/>
+            </a:pPr>
+            <a:r>
+              <a:rPr lang="en-GB" sz="1000" b="1" dirty="0" err="1" smtClean="0">
+                <a:latin typeface="Arial"/>
+                <a:cs typeface="Arial"/>
+              </a:rPr>
+              <a:t>Rshiny</a:t>
+            </a:r>
+            <a:r>
+              <a:rPr lang="en-GB" sz="1000" b="1" dirty="0" smtClean="0">
+                <a:latin typeface="Arial"/>
+                <a:cs typeface="Arial"/>
+              </a:rPr>
+              <a:t> feature</a:t>
+            </a:r>
+          </a:p>
+          <a:p>
+            <a:pPr marL="756285" lvl="1" indent="-228600" fontAlgn="base">
+              <a:spcBef>
+                <a:spcPct val="0"/>
+              </a:spcBef>
+              <a:spcAft>
+                <a:spcPts val="315"/>
+              </a:spcAft>
+              <a:buClr>
+                <a:srgbClr val="00BCFF"/>
+              </a:buClr>
+              <a:buFont typeface="+mj-lt"/>
+              <a:buAutoNum type="arabicPeriod"/>
+              <a:defRPr/>
+            </a:pPr>
+            <a:r>
+              <a:rPr lang="en-GB" sz="1000" b="1" dirty="0" smtClean="0">
+                <a:latin typeface="Arial"/>
+                <a:cs typeface="Arial"/>
+              </a:rPr>
+              <a:t>Descriptive Analytics: </a:t>
+            </a:r>
+          </a:p>
+          <a:p>
+            <a:pPr marL="756285" lvl="1" indent="-228600" fontAlgn="base">
+              <a:spcBef>
+                <a:spcPct val="0"/>
+              </a:spcBef>
+              <a:spcAft>
+                <a:spcPts val="315"/>
+              </a:spcAft>
+              <a:buClr>
+                <a:srgbClr val="00BCFF"/>
+              </a:buClr>
+              <a:buFont typeface="+mj-lt"/>
+              <a:buAutoNum type="arabicPeriod"/>
+              <a:defRPr/>
+            </a:pPr>
+            <a:r>
+              <a:rPr lang="en-GB" sz="1000" b="1" dirty="0" smtClean="0">
+                <a:latin typeface="Arial"/>
+                <a:cs typeface="Arial"/>
+              </a:rPr>
+              <a:t>Predictive Analytics: the final model</a:t>
+            </a:r>
+          </a:p>
+          <a:p>
+            <a:pPr marL="756285" lvl="1" indent="-228600" fontAlgn="base">
+              <a:spcBef>
+                <a:spcPct val="0"/>
+              </a:spcBef>
+              <a:spcAft>
+                <a:spcPts val="315"/>
+              </a:spcAft>
+              <a:buClr>
+                <a:srgbClr val="00BCFF"/>
+              </a:buClr>
+              <a:buFont typeface="+mj-lt"/>
+              <a:buAutoNum type="arabicPeriod"/>
+              <a:defRPr/>
+            </a:pPr>
+            <a:r>
+              <a:rPr lang="en-GB" sz="1000" b="1" dirty="0" smtClean="0">
+                <a:latin typeface="Arial"/>
+                <a:cs typeface="Arial"/>
+              </a:rPr>
+              <a:t>Prescriptive Analytics: based on the final model chosen, we can make suggestions on how to improve their life with asthma</a:t>
+            </a:r>
+          </a:p>
+          <a:p>
+            <a:pPr marL="756285" lvl="1" indent="-228600" fontAlgn="base">
+              <a:spcBef>
+                <a:spcPct val="0"/>
+              </a:spcBef>
+              <a:spcAft>
+                <a:spcPts val="315"/>
+              </a:spcAft>
+              <a:buClr>
+                <a:srgbClr val="00BCFF"/>
+              </a:buClr>
+              <a:buFont typeface="+mj-lt"/>
+              <a:buAutoNum type="arabicPeriod"/>
+              <a:defRPr/>
+            </a:pPr>
+            <a:endParaRPr lang="en-GB" sz="1000" b="1" dirty="0">
               <a:latin typeface="Arial"/>
               <a:cs typeface="Arial"/>
             </a:endParaRPr>
@@ -4640,7 +4707,7 @@
               <a:defRPr/>
             </a:pPr>
             <a:r>
-              <a:rPr lang="en-GB" sz="1000" b="1" i="0" u="none" strike="noStrike" kern="1200" cap="none" spc="0" normalizeH="0" baseline="0" noProof="0" dirty="0">
+              <a:rPr lang="en-GB" sz="1000" b="1" i="0" u="none" strike="noStrike" kern="1200" cap="none" spc="0" normalizeH="0" baseline="0" noProof="0" dirty="0" smtClean="0">
                 <a:ln>
                   <a:noFill/>
                 </a:ln>
@@ -4653,7 +4720,7 @@
               <a:t>Link</a:t>
             </a:r>
             <a:r>
-              <a:rPr lang="en-GB" sz="1000" b="1" i="0" u="none" strike="noStrike" kern="1200" cap="none" spc="0" normalizeH="0" noProof="0" dirty="0">
+              <a:rPr lang="en-GB" sz="1000" b="1" i="0" u="none" strike="noStrike" kern="1200" cap="none" spc="0" normalizeH="0" noProof="0" dirty="0" smtClean="0">
                 <a:ln>
                   <a:noFill/>
                 </a:ln>

--- a/Progress_Status_2.pptx
+++ b/Progress_Status_2.pptx
@@ -371,7 +371,7 @@
             <a:fld id="{D4C110CA-FC68-43DA-BD62-0A387A11A067}" type="datetimeFigureOut">
               <a:rPr lang="en-US" smtClean="0"/>
               <a:pPr/>
-              <a:t>3/6/22</a:t>
+              <a:t>3/6/2022</a:t>
             </a:fld>
             <a:endParaRPr lang="en-US"/>
           </a:p>
@@ -791,7 +791,7 @@
             <a:fld id="{D4C110CA-FC68-43DA-BD62-0A387A11A067}" type="datetimeFigureOut">
               <a:rPr lang="en-US" smtClean="0"/>
               <a:pPr/>
-              <a:t>3/6/22</a:t>
+              <a:t>3/6/2022</a:t>
             </a:fld>
             <a:endParaRPr lang="en-US"/>
           </a:p>
@@ -1420,7 +1420,7 @@
           <a:p>
             <a:fld id="{569D7F56-AB9D-45DF-9F98-942E1E722FC5}" type="datetime1">
               <a:rPr lang="en-US" smtClean="0"/>
-              <a:t>3/6/22</a:t>
+              <a:t>3/6/2022</a:t>
             </a:fld>
             <a:endParaRPr lang="en-US"/>
           </a:p>
@@ -1748,7 +1748,7 @@
           <a:p>
             <a:fld id="{9C30D75E-8EE4-4FE8-BC40-DEE6124551E3}" type="datetime1">
               <a:rPr lang="en-US" smtClean="0"/>
-              <a:t>3/6/22</a:t>
+              <a:t>3/6/2022</a:t>
             </a:fld>
             <a:endParaRPr lang="en-US"/>
           </a:p>
@@ -1985,7 +1985,7 @@
           <p:cNvPr id="8" name="MSIPCMContentMarking" descr="{&quot;HashCode&quot;:-242339457,&quot;Placement&quot;:&quot;Footer&quot;}">
             <a:extLst>
               <a:ext uri="{FF2B5EF4-FFF2-40B4-BE49-F238E27FC236}">
-                <a16:creationId xmlns:a16="http://schemas.microsoft.com/office/drawing/2014/main" xmlns="" id="{14A6A8EE-9F92-4900-BAF5-FBD48B8CD07B}"/>
+                <a16:creationId xmlns:a16="http://schemas.microsoft.com/office/drawing/2014/main" id="{14A6A8EE-9F92-4900-BAF5-FBD48B8CD07B}"/>
               </a:ext>
             </a:extLst>
           </p:cNvPr>
@@ -2467,7 +2467,7 @@
           <a:graphicData uri="http://schemas.openxmlformats.org/presentationml/2006/ole">
             <mc:AlternateContent xmlns:mc="http://schemas.openxmlformats.org/markup-compatibility/2006">
               <mc:Choice xmlns:v="urn:schemas-microsoft-com:vml" Requires="v">
-                <p:oleObj spid="_x0000_s1051" name="think-cell Slide" r:id="rId6" imgW="270" imgH="270" progId="TCLayout.ActiveDocument.1">
+                <p:oleObj spid="_x0000_s1052" name="think-cell Slide" r:id="rId6" imgW="270" imgH="270" progId="TCLayout.ActiveDocument.1">
                   <p:embed/>
                 </p:oleObj>
               </mc:Choice>
@@ -2615,26 +2615,13 @@
               </a:rPr>
             </a:br>
             <a:r>
-              <a:rPr lang="en-US" b="1" dirty="0" smtClean="0">
+              <a:rPr lang="en-US" b="1" dirty="0">
                 <a:solidFill>
                   <a:srgbClr val="FF0000"/>
                 </a:solidFill>
               </a:rPr>
-              <a:t>3</a:t>
+              <a:t>3/6/2022</a:t>
             </a:r>
-            <a:r>
-              <a:rPr lang="en-US" b="1" dirty="0" smtClean="0">
-                <a:solidFill>
-                  <a:srgbClr val="FF0000"/>
-                </a:solidFill>
-              </a:rPr>
-              <a:t>/6/2022</a:t>
-            </a:r>
-            <a:endParaRPr lang="en-US" b="1" dirty="0">
-              <a:solidFill>
-                <a:srgbClr val="FF0000"/>
-              </a:solidFill>
-            </a:endParaRPr>
           </a:p>
         </p:txBody>
       </p:sp>
@@ -2745,7 +2732,7 @@
           <p:cNvPr id="30" name="Rectangle: Rounded Corners 29">
             <a:extLst>
               <a:ext uri="{FF2B5EF4-FFF2-40B4-BE49-F238E27FC236}">
-                <a16:creationId xmlns:a16="http://schemas.microsoft.com/office/drawing/2014/main" xmlns="" id="{96B31DCE-FE26-4A50-8779-40C386056135}"/>
+                <a16:creationId xmlns:a16="http://schemas.microsoft.com/office/drawing/2014/main" id="{96B31DCE-FE26-4A50-8779-40C386056135}"/>
               </a:ext>
             </a:extLst>
           </p:cNvPr>
@@ -2824,7 +2811,7 @@
           <p:cNvPr id="31" name="Group 76">
             <a:extLst>
               <a:ext uri="{FF2B5EF4-FFF2-40B4-BE49-F238E27FC236}">
-                <a16:creationId xmlns:a16="http://schemas.microsoft.com/office/drawing/2014/main" xmlns="" id="{CC0A1483-DF3D-45BE-B887-CB285D84E8EA}"/>
+                <a16:creationId xmlns:a16="http://schemas.microsoft.com/office/drawing/2014/main" id="{CC0A1483-DF3D-45BE-B887-CB285D84E8EA}"/>
               </a:ext>
             </a:extLst>
           </p:cNvPr>
@@ -2853,7 +2840,7 @@
                 <a:gridCol w="11734483">
                   <a:extLst>
                     <a:ext uri="{9D8B030D-6E8A-4147-A177-3AD203B41FA5}">
-                      <a16:colId xmlns:a16="http://schemas.microsoft.com/office/drawing/2014/main" xmlns="" val="20000"/>
+                      <a16:colId xmlns:a16="http://schemas.microsoft.com/office/drawing/2014/main" val="20000"/>
                     </a:ext>
                   </a:extLst>
                 </a:gridCol>
@@ -2921,7 +2908,7 @@
                 </a:tc>
                 <a:extLst>
                   <a:ext uri="{0D108BD9-81ED-4DB2-BD59-A6C34878D82A}">
-                    <a16:rowId xmlns:a16="http://schemas.microsoft.com/office/drawing/2014/main" xmlns="" val="10000"/>
+                    <a16:rowId xmlns:a16="http://schemas.microsoft.com/office/drawing/2014/main" val="10000"/>
                   </a:ext>
                 </a:extLst>
               </a:tr>
@@ -2934,7 +2921,7 @@
           <p:cNvPr id="32" name="Group 77">
             <a:extLst>
               <a:ext uri="{FF2B5EF4-FFF2-40B4-BE49-F238E27FC236}">
-                <a16:creationId xmlns:a16="http://schemas.microsoft.com/office/drawing/2014/main" xmlns="" id="{98257ECF-45B8-481F-B073-88E6B4B91EDB}"/>
+                <a16:creationId xmlns:a16="http://schemas.microsoft.com/office/drawing/2014/main" id="{98257ECF-45B8-481F-B073-88E6B4B91EDB}"/>
               </a:ext>
             </a:extLst>
           </p:cNvPr>
@@ -2963,7 +2950,7 @@
                 <a:gridCol w="6301058">
                   <a:extLst>
                     <a:ext uri="{9D8B030D-6E8A-4147-A177-3AD203B41FA5}">
-                      <a16:colId xmlns:a16="http://schemas.microsoft.com/office/drawing/2014/main" xmlns="" val="20000"/>
+                      <a16:colId xmlns:a16="http://schemas.microsoft.com/office/drawing/2014/main" val="20000"/>
                     </a:ext>
                   </a:extLst>
                 </a:gridCol>
@@ -3022,7 +3009,7 @@
                 </a:tc>
                 <a:extLst>
                   <a:ext uri="{0D108BD9-81ED-4DB2-BD59-A6C34878D82A}">
-                    <a16:rowId xmlns:a16="http://schemas.microsoft.com/office/drawing/2014/main" xmlns="" val="10000"/>
+                    <a16:rowId xmlns:a16="http://schemas.microsoft.com/office/drawing/2014/main" val="10000"/>
                   </a:ext>
                 </a:extLst>
               </a:tr>
@@ -3109,7 +3096,7 @@
                 </a:tc>
                 <a:extLst>
                   <a:ext uri="{0D108BD9-81ED-4DB2-BD59-A6C34878D82A}">
-                    <a16:rowId xmlns:a16="http://schemas.microsoft.com/office/drawing/2014/main" xmlns="" val="10001"/>
+                    <a16:rowId xmlns:a16="http://schemas.microsoft.com/office/drawing/2014/main" val="10001"/>
                   </a:ext>
                 </a:extLst>
               </a:tr>
@@ -3122,7 +3109,7 @@
           <p:cNvPr id="33" name="Group 77">
             <a:extLst>
               <a:ext uri="{FF2B5EF4-FFF2-40B4-BE49-F238E27FC236}">
-                <a16:creationId xmlns:a16="http://schemas.microsoft.com/office/drawing/2014/main" xmlns="" id="{D1FFF23A-C9C0-4990-B613-435FE74B2902}"/>
+                <a16:creationId xmlns:a16="http://schemas.microsoft.com/office/drawing/2014/main" id="{D1FFF23A-C9C0-4990-B613-435FE74B2902}"/>
               </a:ext>
             </a:extLst>
           </p:cNvPr>
@@ -3132,7 +3119,7 @@
           <p:nvPr>
             <p:extLst>
               <p:ext uri="{D42A27DB-BD31-4B8C-83A1-F6EECF244321}">
-                <p14:modId xmlns:p14="http://schemas.microsoft.com/office/powerpoint/2010/main" val="1160536284"/>
+                <p14:modId xmlns:p14="http://schemas.microsoft.com/office/powerpoint/2010/main" val="2769606150"/>
               </p:ext>
             </p:extLst>
           </p:nvPr>
@@ -3151,7 +3138,7 @@
                 <a:gridCol w="5333996">
                   <a:extLst>
                     <a:ext uri="{9D8B030D-6E8A-4147-A177-3AD203B41FA5}">
-                      <a16:colId xmlns:a16="http://schemas.microsoft.com/office/drawing/2014/main" xmlns="" val="20000"/>
+                      <a16:colId xmlns:a16="http://schemas.microsoft.com/office/drawing/2014/main" val="20000"/>
                     </a:ext>
                   </a:extLst>
                 </a:gridCol>
@@ -3204,7 +3191,7 @@
                 </a:tc>
                 <a:extLst>
                   <a:ext uri="{0D108BD9-81ED-4DB2-BD59-A6C34878D82A}">
-                    <a16:rowId xmlns:a16="http://schemas.microsoft.com/office/drawing/2014/main" xmlns="" val="10000"/>
+                    <a16:rowId xmlns:a16="http://schemas.microsoft.com/office/drawing/2014/main" val="10000"/>
                   </a:ext>
                 </a:extLst>
               </a:tr>
@@ -3228,7 +3215,7 @@
                         <a:buChar char="§"/>
                       </a:pPr>
                       <a:r>
-                        <a:rPr kumimoji="0" lang="en-GB" sz="1000" b="1" u="none" strike="noStrike" kern="1200" cap="none" spc="0" normalizeH="0" baseline="0" noProof="0" dirty="0" smtClean="0">
+                        <a:rPr kumimoji="0" lang="en-GB" sz="1000" b="1" u="none" strike="noStrike" kern="1200" cap="none" spc="0" normalizeH="0" baseline="0" noProof="0" dirty="0">
                           <a:ln>
                             <a:noFill/>
                           </a:ln>
@@ -3256,7 +3243,7 @@
                         <a:buFont typeface="Wingdings" pitchFamily="2" charset="2"/>
                         <a:buChar char="§"/>
                       </a:pPr>
-                      <a:endParaRPr kumimoji="0" lang="en-GB" sz="1000" b="1" u="none" strike="noStrike" kern="1200" cap="none" spc="0" normalizeH="0" baseline="0" noProof="0" dirty="0" smtClean="0">
+                      <a:endParaRPr kumimoji="0" lang="en-GB" sz="1000" b="1" u="none" strike="noStrike" kern="1200" cap="none" spc="0" normalizeH="0" baseline="0" noProof="0" dirty="0">
                         <a:ln>
                           <a:noFill/>
                         </a:ln>
@@ -3283,7 +3270,7 @@
                         <a:buChar char="§"/>
                       </a:pPr>
                       <a:r>
-                        <a:rPr kumimoji="0" lang="en-GB" sz="1000" b="1" u="none" strike="noStrike" kern="1200" cap="none" spc="0" normalizeH="0" baseline="0" noProof="0" dirty="0" smtClean="0">
+                        <a:rPr kumimoji="0" lang="en-GB" sz="1000" b="1" u="none" strike="noStrike" kern="1200" cap="none" spc="0" normalizeH="0" baseline="0" noProof="0" dirty="0">
                           <a:ln>
                             <a:noFill/>
                           </a:ln>
@@ -3311,7 +3298,7 @@
                         <a:buFont typeface="Wingdings" pitchFamily="2" charset="2"/>
                         <a:buChar char="§"/>
                       </a:pPr>
-                      <a:endParaRPr kumimoji="0" lang="en-GB" sz="1000" b="1" u="none" strike="noStrike" kern="1200" cap="none" spc="0" normalizeH="0" baseline="0" noProof="0" dirty="0" smtClean="0">
+                      <a:endParaRPr kumimoji="0" lang="en-GB" sz="1000" b="1" u="none" strike="noStrike" kern="1200" cap="none" spc="0" normalizeH="0" baseline="0" noProof="0" dirty="0">
                         <a:ln>
                           <a:noFill/>
                         </a:ln>
@@ -3338,7 +3325,7 @@
                         <a:buChar char="§"/>
                       </a:pPr>
                       <a:r>
-                        <a:rPr kumimoji="0" lang="en-GB" sz="1000" b="1" u="none" strike="noStrike" kern="1200" cap="none" spc="0" normalizeH="0" baseline="0" noProof="0" dirty="0" smtClean="0">
+                        <a:rPr kumimoji="0" lang="en-GB" sz="1000" b="1" u="none" strike="noStrike" kern="1200" cap="none" spc="0" normalizeH="0" baseline="0" noProof="0" dirty="0">
                           <a:ln>
                             <a:noFill/>
                           </a:ln>
@@ -3349,11 +3336,11 @@
                           <a:uLnTx/>
                           <a:uFillTx/>
                         </a:rPr>
-                        <a:t>Performed Linear regression, then removed the variables that were deemed insignificant and performed linear regression again</a:t>
+                        <a:t>Performed Linear regression, and did an exhaustive search for best combination of features</a:t>
                       </a:r>
                     </a:p>
                     <a:p>
-                      <a:pPr marL="112395" marR="0" lvl="0" indent="-112395" algn="l" rtl="0" eaLnBrk="1" fontAlgn="base" latinLnBrk="0" hangingPunct="1">
+                      <a:pPr marL="0" marR="0" lvl="0" indent="0" algn="l" rtl="0" eaLnBrk="1" fontAlgn="base" latinLnBrk="0" hangingPunct="1">
                         <a:lnSpc>
                           <a:spcPct val="100000"/>
                         </a:lnSpc>
@@ -3364,9 +3351,9 @@
                           <a:spcPct val="25000"/>
                         </a:spcAft>
                         <a:buFont typeface="Wingdings" pitchFamily="2" charset="2"/>
-                        <a:buChar char="§"/>
+                        <a:buNone/>
                       </a:pPr>
-                      <a:endParaRPr kumimoji="0" lang="en-GB" sz="1000" b="1" u="none" strike="noStrike" kern="1200" cap="none" spc="0" normalizeH="0" baseline="0" noProof="0" dirty="0" smtClean="0">
+                      <a:endParaRPr kumimoji="0" lang="en-GB" sz="1000" b="1" u="none" strike="noStrike" kern="1200" cap="none" spc="0" normalizeH="0" baseline="0" noProof="0" dirty="0">
                         <a:ln>
                           <a:noFill/>
                         </a:ln>
@@ -3393,7 +3380,7 @@
                         <a:buChar char="§"/>
                       </a:pPr>
                       <a:r>
-                        <a:rPr kumimoji="0" lang="en-GB" sz="1000" b="1" u="none" strike="noStrike" kern="1200" cap="none" spc="0" normalizeH="0" baseline="0" noProof="0" dirty="0" smtClean="0">
+                        <a:rPr kumimoji="0" lang="en-GB" sz="1000" b="1" u="none" strike="noStrike" kern="1200" cap="none" spc="0" normalizeH="0" baseline="0" noProof="0" dirty="0">
                           <a:ln>
                             <a:noFill/>
                           </a:ln>
@@ -3404,8 +3391,75 @@
                           <a:uLnTx/>
                           <a:uFillTx/>
                         </a:rPr>
-                        <a:t>Feature Selection</a:t>
+                        <a:t>Attempted Cross-Validation functions in R using ”</a:t>
                       </a:r>
+                      <a:r>
+                        <a:rPr kumimoji="0" lang="en-GB" sz="1000" b="1" u="none" strike="noStrike" kern="1200" cap="none" spc="0" normalizeH="0" baseline="0" noProof="0" dirty="0" err="1">
+                          <a:ln>
+                            <a:noFill/>
+                          </a:ln>
+                          <a:solidFill>
+                            <a:schemeClr val="tx1"/>
+                          </a:solidFill>
+                          <a:effectLst/>
+                          <a:uLnTx/>
+                          <a:uFillTx/>
+                        </a:rPr>
+                        <a:t>train_control</a:t>
+                      </a:r>
+                      <a:r>
+                        <a:rPr kumimoji="0" lang="en-GB" sz="1000" b="1" u="none" strike="noStrike" kern="1200" cap="none" spc="0" normalizeH="0" baseline="0" noProof="0" dirty="0">
+                          <a:ln>
+                            <a:noFill/>
+                          </a:ln>
+                          <a:solidFill>
+                            <a:schemeClr val="tx1"/>
+                          </a:solidFill>
+                          <a:effectLst/>
+                          <a:uLnTx/>
+                          <a:uFillTx/>
+                        </a:rPr>
+                        <a:t>” and “train” from the </a:t>
+                      </a:r>
+                      <a:r>
+                        <a:rPr kumimoji="0" lang="en-GB" sz="1000" b="1" i="1" u="none" strike="noStrike" kern="1200" cap="none" spc="0" normalizeH="0" baseline="0" noProof="0" dirty="0">
+                          <a:ln>
+                            <a:noFill/>
+                          </a:ln>
+                          <a:solidFill>
+                            <a:schemeClr val="tx1"/>
+                          </a:solidFill>
+                          <a:effectLst/>
+                          <a:uLnTx/>
+                          <a:uFillTx/>
+                        </a:rPr>
+                        <a:t>caret </a:t>
+                      </a:r>
+                      <a:r>
+                        <a:rPr kumimoji="0" lang="en-GB" sz="1000" b="1" i="0" u="none" strike="noStrike" kern="1200" cap="none" spc="0" normalizeH="0" baseline="0" noProof="0" dirty="0">
+                          <a:ln>
+                            <a:noFill/>
+                          </a:ln>
+                          <a:solidFill>
+                            <a:schemeClr val="tx1"/>
+                          </a:solidFill>
+                          <a:effectLst/>
+                          <a:uLnTx/>
+                          <a:uFillTx/>
+                        </a:rPr>
+                        <a:t> package</a:t>
+                      </a:r>
+                      <a:endParaRPr kumimoji="0" lang="en-GB" sz="1000" b="1" u="none" strike="noStrike" kern="1200" cap="none" spc="0" normalizeH="0" baseline="0" noProof="0" dirty="0">
+                        <a:ln>
+                          <a:noFill/>
+                        </a:ln>
+                        <a:solidFill>
+                          <a:schemeClr val="tx1"/>
+                        </a:solidFill>
+                        <a:effectLst/>
+                        <a:uLnTx/>
+                        <a:uFillTx/>
+                      </a:endParaRPr>
                     </a:p>
                     <a:p>
                       <a:pPr marL="112395" marR="0" lvl="0" indent="-112395" algn="l" rtl="0" eaLnBrk="1" fontAlgn="base" latinLnBrk="0" hangingPunct="1">
@@ -3421,7 +3475,7 @@
                         <a:buFont typeface="Wingdings" pitchFamily="2" charset="2"/>
                         <a:buChar char="§"/>
                       </a:pPr>
-                      <a:endParaRPr kumimoji="0" lang="en-GB" sz="1000" b="1" u="none" strike="noStrike" kern="1200" cap="none" spc="0" normalizeH="0" baseline="0" noProof="0" dirty="0" smtClean="0">
+                      <a:endParaRPr kumimoji="0" lang="en-GB" sz="1000" b="1" u="none" strike="noStrike" kern="1200" cap="none" spc="0" normalizeH="0" baseline="0" noProof="0" dirty="0">
                         <a:ln>
                           <a:noFill/>
                         </a:ln>
@@ -3448,7 +3502,7 @@
                         <a:buChar char="§"/>
                       </a:pPr>
                       <a:r>
-                        <a:rPr kumimoji="0" lang="en-GB" sz="1000" b="1" u="none" strike="noStrike" kern="1200" cap="none" spc="0" normalizeH="0" baseline="0" noProof="0" dirty="0" smtClean="0">
+                        <a:rPr kumimoji="0" lang="en-GB" sz="1000" b="1" u="none" strike="noStrike" kern="1200" cap="none" spc="0" normalizeH="0" baseline="0" noProof="0" dirty="0">
                           <a:ln>
                             <a:noFill/>
                           </a:ln>
@@ -3459,75 +3513,8 @@
                           <a:uLnTx/>
                           <a:uFillTx/>
                         </a:rPr>
-                        <a:t>Attempted Cross-Validation functions in R using ”</a:t>
+                        <a:t>PCA</a:t>
                       </a:r>
-                      <a:r>
-                        <a:rPr kumimoji="0" lang="en-GB" sz="1000" b="1" u="none" strike="noStrike" kern="1200" cap="none" spc="0" normalizeH="0" baseline="0" noProof="0" dirty="0" err="1" smtClean="0">
-                          <a:ln>
-                            <a:noFill/>
-                          </a:ln>
-                          <a:solidFill>
-                            <a:schemeClr val="tx1"/>
-                          </a:solidFill>
-                          <a:effectLst/>
-                          <a:uLnTx/>
-                          <a:uFillTx/>
-                        </a:rPr>
-                        <a:t>train_control</a:t>
-                      </a:r>
-                      <a:r>
-                        <a:rPr kumimoji="0" lang="en-GB" sz="1000" b="1" u="none" strike="noStrike" kern="1200" cap="none" spc="0" normalizeH="0" baseline="0" noProof="0" dirty="0" smtClean="0">
-                          <a:ln>
-                            <a:noFill/>
-                          </a:ln>
-                          <a:solidFill>
-                            <a:schemeClr val="tx1"/>
-                          </a:solidFill>
-                          <a:effectLst/>
-                          <a:uLnTx/>
-                          <a:uFillTx/>
-                        </a:rPr>
-                        <a:t>” and “train” from the </a:t>
-                      </a:r>
-                      <a:r>
-                        <a:rPr kumimoji="0" lang="en-GB" sz="1000" b="1" i="1" u="none" strike="noStrike" kern="1200" cap="none" spc="0" normalizeH="0" baseline="0" noProof="0" dirty="0" smtClean="0">
-                          <a:ln>
-                            <a:noFill/>
-                          </a:ln>
-                          <a:solidFill>
-                            <a:schemeClr val="tx1"/>
-                          </a:solidFill>
-                          <a:effectLst/>
-                          <a:uLnTx/>
-                          <a:uFillTx/>
-                        </a:rPr>
-                        <a:t>caret </a:t>
-                      </a:r>
-                      <a:r>
-                        <a:rPr kumimoji="0" lang="en-GB" sz="1000" b="1" i="0" u="none" strike="noStrike" kern="1200" cap="none" spc="0" normalizeH="0" baseline="0" noProof="0" dirty="0" smtClean="0">
-                          <a:ln>
-                            <a:noFill/>
-                          </a:ln>
-                          <a:solidFill>
-                            <a:schemeClr val="tx1"/>
-                          </a:solidFill>
-                          <a:effectLst/>
-                          <a:uLnTx/>
-                          <a:uFillTx/>
-                        </a:rPr>
-                        <a:t> package</a:t>
-                      </a:r>
-                      <a:endParaRPr kumimoji="0" lang="en-GB" sz="1000" b="1" u="none" strike="noStrike" kern="1200" cap="none" spc="0" normalizeH="0" baseline="0" noProof="0" dirty="0" smtClean="0">
-                        <a:ln>
-                          <a:noFill/>
-                        </a:ln>
-                        <a:solidFill>
-                          <a:schemeClr val="tx1"/>
-                        </a:solidFill>
-                        <a:effectLst/>
-                        <a:uLnTx/>
-                        <a:uFillTx/>
-                      </a:endParaRPr>
                     </a:p>
                     <a:p>
                       <a:pPr marL="112395" marR="0" lvl="0" indent="-112395" algn="l" rtl="0" eaLnBrk="1" fontAlgn="base" latinLnBrk="0" hangingPunct="1">
@@ -3543,7 +3530,7 @@
                         <a:buFont typeface="Wingdings" pitchFamily="2" charset="2"/>
                         <a:buChar char="§"/>
                       </a:pPr>
-                      <a:endParaRPr kumimoji="0" lang="en-GB" sz="1000" b="1" u="none" strike="noStrike" kern="1200" cap="none" spc="0" normalizeH="0" baseline="0" noProof="0" dirty="0" smtClean="0">
+                      <a:endParaRPr kumimoji="0" lang="en-GB" sz="1000" b="1" u="none" strike="noStrike" kern="1200" cap="none" spc="0" normalizeH="0" baseline="0" noProof="0" dirty="0">
                         <a:ln>
                           <a:noFill/>
                         </a:ln>
@@ -3570,62 +3557,7 @@
                         <a:buChar char="§"/>
                       </a:pPr>
                       <a:r>
-                        <a:rPr kumimoji="0" lang="en-GB" sz="1000" b="1" u="none" strike="noStrike" kern="1200" cap="none" spc="0" normalizeH="0" baseline="0" noProof="0" dirty="0" smtClean="0">
-                          <a:ln>
-                            <a:noFill/>
-                          </a:ln>
-                          <a:solidFill>
-                            <a:schemeClr val="tx1"/>
-                          </a:solidFill>
-                          <a:effectLst/>
-                          <a:uLnTx/>
-                          <a:uFillTx/>
-                        </a:rPr>
-                        <a:t>PCA?</a:t>
-                      </a:r>
-                    </a:p>
-                    <a:p>
-                      <a:pPr marL="112395" marR="0" lvl="0" indent="-112395" algn="l" rtl="0" eaLnBrk="1" fontAlgn="base" latinLnBrk="0" hangingPunct="1">
-                        <a:lnSpc>
-                          <a:spcPct val="100000"/>
-                        </a:lnSpc>
-                        <a:spcBef>
-                          <a:spcPct val="0"/>
-                        </a:spcBef>
-                        <a:spcAft>
-                          <a:spcPct val="25000"/>
-                        </a:spcAft>
-                        <a:buFont typeface="Wingdings" pitchFamily="2" charset="2"/>
-                        <a:buChar char="§"/>
-                      </a:pPr>
-                      <a:endParaRPr kumimoji="0" lang="en-GB" sz="1000" b="1" u="none" strike="noStrike" kern="1200" cap="none" spc="0" normalizeH="0" baseline="0" noProof="0" dirty="0" smtClean="0">
-                        <a:ln>
-                          <a:noFill/>
-                        </a:ln>
-                        <a:solidFill>
-                          <a:schemeClr val="tx1"/>
-                        </a:solidFill>
-                        <a:effectLst/>
-                        <a:uLnTx/>
-                        <a:uFillTx/>
-                      </a:endParaRPr>
-                    </a:p>
-                    <a:p>
-                      <a:pPr marL="112395" marR="0" lvl="0" indent="-112395" algn="l" rtl="0" eaLnBrk="1" fontAlgn="base" latinLnBrk="0" hangingPunct="1">
-                        <a:lnSpc>
-                          <a:spcPct val="100000"/>
-                        </a:lnSpc>
-                        <a:spcBef>
-                          <a:spcPct val="0"/>
-                        </a:spcBef>
-                        <a:spcAft>
-                          <a:spcPct val="25000"/>
-                        </a:spcAft>
-                        <a:buFont typeface="Wingdings" pitchFamily="2" charset="2"/>
-                        <a:buChar char="§"/>
-                      </a:pPr>
-                      <a:r>
-                        <a:rPr kumimoji="0" lang="en-GB" sz="1000" b="1" u="none" strike="noStrike" kern="1200" cap="none" spc="0" normalizeH="0" baseline="0" noProof="0" dirty="0" smtClean="0">
+                        <a:rPr kumimoji="0" lang="en-GB" sz="1000" b="1" u="none" strike="noStrike" kern="1200" cap="none" spc="0" normalizeH="0" baseline="0" noProof="0" dirty="0">
                           <a:ln>
                             <a:noFill/>
                           </a:ln>
@@ -3638,17 +3570,6 @@
                         </a:rPr>
                         <a:t>Began looking into Random Forest</a:t>
                       </a:r>
-                      <a:endParaRPr kumimoji="0" lang="en-GB" sz="1000" b="1" u="none" strike="noStrike" kern="1200" cap="none" spc="0" normalizeH="0" baseline="0" noProof="0" dirty="0">
-                        <a:ln>
-                          <a:noFill/>
-                        </a:ln>
-                        <a:solidFill>
-                          <a:schemeClr val="tx1"/>
-                        </a:solidFill>
-                        <a:effectLst/>
-                        <a:uLnTx/>
-                        <a:uFillTx/>
-                      </a:endParaRPr>
                     </a:p>
                   </a:txBody>
                   <a:tcPr marL="95988" marR="119985" marT="36000" marB="36000" anchor="ctr" horzOverflow="overflow">
@@ -3659,7 +3580,7 @@
                 </a:tc>
                 <a:extLst>
                   <a:ext uri="{0D108BD9-81ED-4DB2-BD59-A6C34878D82A}">
-                    <a16:rowId xmlns:a16="http://schemas.microsoft.com/office/drawing/2014/main" xmlns="" val="10001"/>
+                    <a16:rowId xmlns:a16="http://schemas.microsoft.com/office/drawing/2014/main" val="10001"/>
                   </a:ext>
                 </a:extLst>
               </a:tr>
@@ -3672,7 +3593,7 @@
           <p:cNvPr id="36" name="Rectangle: Rounded Corners 35">
             <a:extLst>
               <a:ext uri="{FF2B5EF4-FFF2-40B4-BE49-F238E27FC236}">
-                <a16:creationId xmlns:a16="http://schemas.microsoft.com/office/drawing/2014/main" xmlns="" id="{BB735C57-A501-4D95-BE54-CE03563D7929}"/>
+                <a16:creationId xmlns:a16="http://schemas.microsoft.com/office/drawing/2014/main" id="{BB735C57-A501-4D95-BE54-CE03563D7929}"/>
               </a:ext>
             </a:extLst>
           </p:cNvPr>
@@ -3751,7 +3672,7 @@
           <p:cNvPr id="37" name="Group 79">
             <a:extLst>
               <a:ext uri="{FF2B5EF4-FFF2-40B4-BE49-F238E27FC236}">
-                <a16:creationId xmlns:a16="http://schemas.microsoft.com/office/drawing/2014/main" xmlns="" id="{0B10B350-64ED-4B92-9E40-03FF6E86DBF6}"/>
+                <a16:creationId xmlns:a16="http://schemas.microsoft.com/office/drawing/2014/main" id="{0B10B350-64ED-4B92-9E40-03FF6E86DBF6}"/>
               </a:ext>
             </a:extLst>
           </p:cNvPr>
@@ -3780,14 +3701,14 @@
                 <a:gridCol w="2572795">
                   <a:extLst>
                     <a:ext uri="{9D8B030D-6E8A-4147-A177-3AD203B41FA5}">
-                      <a16:colId xmlns:a16="http://schemas.microsoft.com/office/drawing/2014/main" xmlns="" val="20000"/>
+                      <a16:colId xmlns:a16="http://schemas.microsoft.com/office/drawing/2014/main" val="20000"/>
                     </a:ext>
                   </a:extLst>
                 </a:gridCol>
                 <a:gridCol w="1594108">
                   <a:extLst>
                     <a:ext uri="{9D8B030D-6E8A-4147-A177-3AD203B41FA5}">
-                      <a16:colId xmlns:a16="http://schemas.microsoft.com/office/drawing/2014/main" xmlns="" val="20001"/>
+                      <a16:colId xmlns:a16="http://schemas.microsoft.com/office/drawing/2014/main" val="20001"/>
                     </a:ext>
                   </a:extLst>
                 </a:gridCol>
@@ -3976,7 +3897,7 @@
                 </a:tc>
                 <a:extLst>
                   <a:ext uri="{0D108BD9-81ED-4DB2-BD59-A6C34878D82A}">
-                    <a16:rowId xmlns:a16="http://schemas.microsoft.com/office/drawing/2014/main" xmlns="" val="10000"/>
+                    <a16:rowId xmlns:a16="http://schemas.microsoft.com/office/drawing/2014/main" val="10000"/>
                   </a:ext>
                 </a:extLst>
               </a:tr>
@@ -4164,7 +4085,7 @@
                 </a:tc>
                 <a:extLst>
                   <a:ext uri="{0D108BD9-81ED-4DB2-BD59-A6C34878D82A}">
-                    <a16:rowId xmlns:a16="http://schemas.microsoft.com/office/drawing/2014/main" xmlns="" val="10001"/>
+                    <a16:rowId xmlns:a16="http://schemas.microsoft.com/office/drawing/2014/main" val="10001"/>
                   </a:ext>
                 </a:extLst>
               </a:tr>
@@ -4177,7 +4098,7 @@
           <p:cNvPr id="38" name="Tabelle 20">
             <a:extLst>
               <a:ext uri="{FF2B5EF4-FFF2-40B4-BE49-F238E27FC236}">
-                <a16:creationId xmlns:a16="http://schemas.microsoft.com/office/drawing/2014/main" xmlns="" id="{EC9F2797-F988-44CB-8382-693DBC8A0F21}"/>
+                <a16:creationId xmlns:a16="http://schemas.microsoft.com/office/drawing/2014/main" id="{EC9F2797-F988-44CB-8382-693DBC8A0F21}"/>
               </a:ext>
             </a:extLst>
           </p:cNvPr>
@@ -4206,14 +4127,14 @@
                 <a:gridCol w="1028731">
                   <a:extLst>
                     <a:ext uri="{9D8B030D-6E8A-4147-A177-3AD203B41FA5}">
-                      <a16:colId xmlns:a16="http://schemas.microsoft.com/office/drawing/2014/main" xmlns="" val="20000"/>
+                      <a16:colId xmlns:a16="http://schemas.microsoft.com/office/drawing/2014/main" val="20000"/>
                     </a:ext>
                   </a:extLst>
                 </a:gridCol>
                 <a:gridCol w="801637">
                   <a:extLst>
                     <a:ext uri="{9D8B030D-6E8A-4147-A177-3AD203B41FA5}">
-                      <a16:colId xmlns:a16="http://schemas.microsoft.com/office/drawing/2014/main" xmlns="" val="20001"/>
+                      <a16:colId xmlns:a16="http://schemas.microsoft.com/office/drawing/2014/main" val="20001"/>
                     </a:ext>
                   </a:extLst>
                 </a:gridCol>
@@ -4395,7 +4316,7 @@
                 </a:tc>
                 <a:extLst>
                   <a:ext uri="{0D108BD9-81ED-4DB2-BD59-A6C34878D82A}">
-                    <a16:rowId xmlns:a16="http://schemas.microsoft.com/office/drawing/2014/main" xmlns="" val="10000"/>
+                    <a16:rowId xmlns:a16="http://schemas.microsoft.com/office/drawing/2014/main" val="10000"/>
                   </a:ext>
                 </a:extLst>
               </a:tr>
@@ -4408,7 +4329,7 @@
           <p:cNvPr id="8" name="TextBox 7">
             <a:extLst>
               <a:ext uri="{FF2B5EF4-FFF2-40B4-BE49-F238E27FC236}">
-                <a16:creationId xmlns:a16="http://schemas.microsoft.com/office/drawing/2014/main" xmlns="" id="{44E3C0C7-7427-4CB3-B854-12CD21E5D4DD}"/>
+                <a16:creationId xmlns:a16="http://schemas.microsoft.com/office/drawing/2014/main" id="{44E3C0C7-7427-4CB3-B854-12CD21E5D4DD}"/>
               </a:ext>
             </a:extLst>
           </p:cNvPr>
@@ -4495,14 +4416,7 @@
                 <a:latin typeface="Arial"/>
                 <a:cs typeface="Arial"/>
               </a:rPr>
-              <a:t>Deliverables</a:t>
-            </a:r>
-            <a:r>
-              <a:rPr lang="en-GB" sz="1000" b="1" dirty="0" smtClean="0">
-                <a:latin typeface="Arial"/>
-                <a:cs typeface="Arial"/>
-              </a:rPr>
-              <a:t>:</a:t>
+              <a:t>Deliverables:</a:t>
             </a:r>
           </a:p>
           <a:p>
@@ -4521,7 +4435,7 @@
               <a:defRPr/>
             </a:pPr>
             <a:r>
-              <a:rPr lang="en-GB" sz="1000" b="1" dirty="0" smtClean="0">
+              <a:rPr lang="en-GB" sz="1000" b="1" dirty="0">
                 <a:latin typeface="Arial"/>
                 <a:cs typeface="Arial"/>
               </a:rPr>
@@ -4544,7 +4458,7 @@
               <a:defRPr/>
             </a:pPr>
             <a:r>
-              <a:rPr lang="en-GB" sz="1000" b="1" dirty="0" smtClean="0">
+              <a:rPr lang="en-GB" sz="1000" b="1" dirty="0">
                 <a:latin typeface="Arial"/>
                 <a:cs typeface="Arial"/>
               </a:rPr>
@@ -4567,7 +4481,7 @@
               <a:defRPr/>
             </a:pPr>
             <a:r>
-              <a:rPr lang="en-GB" sz="1000" b="1" dirty="0" smtClean="0">
+              <a:rPr lang="en-GB" sz="1000" b="1" dirty="0">
                 <a:latin typeface="Arial"/>
                 <a:cs typeface="Arial"/>
               </a:rPr>
@@ -4590,14 +4504,14 @@
               <a:defRPr/>
             </a:pPr>
             <a:r>
-              <a:rPr lang="en-GB" sz="1000" b="1" dirty="0" err="1" smtClean="0">
+              <a:rPr lang="en-GB" sz="1000" b="1" dirty="0" err="1">
                 <a:latin typeface="Arial"/>
                 <a:cs typeface="Arial"/>
               </a:rPr>
               <a:t>Rshiny</a:t>
             </a:r>
             <a:r>
-              <a:rPr lang="en-GB" sz="1000" b="1" dirty="0" smtClean="0">
+              <a:rPr lang="en-GB" sz="1000" b="1" dirty="0">
                 <a:latin typeface="Arial"/>
                 <a:cs typeface="Arial"/>
               </a:rPr>
@@ -4620,7 +4534,7 @@
               <a:defRPr/>
             </a:pPr>
             <a:r>
-              <a:rPr lang="en-GB" sz="1000" b="1" dirty="0" smtClean="0">
+              <a:rPr lang="en-GB" sz="1000" b="1" dirty="0">
                 <a:latin typeface="Arial"/>
                 <a:cs typeface="Arial"/>
               </a:rPr>
@@ -4643,7 +4557,7 @@
               <a:defRPr/>
             </a:pPr>
             <a:r>
-              <a:rPr lang="en-GB" sz="1000" b="1" dirty="0" smtClean="0">
+              <a:rPr lang="en-GB" sz="1000" b="1" dirty="0">
                 <a:latin typeface="Arial"/>
                 <a:cs typeface="Arial"/>
               </a:rPr>
@@ -4666,7 +4580,7 @@
               <a:defRPr/>
             </a:pPr>
             <a:r>
-              <a:rPr lang="en-GB" sz="1000" b="1" dirty="0" smtClean="0">
+              <a:rPr lang="en-GB" sz="1000" b="1" dirty="0">
                 <a:latin typeface="Arial"/>
                 <a:cs typeface="Arial"/>
               </a:rPr>
@@ -4707,7 +4621,7 @@
               <a:defRPr/>
             </a:pPr>
             <a:r>
-              <a:rPr lang="en-GB" sz="1000" b="1" i="0" u="none" strike="noStrike" kern="1200" cap="none" spc="0" normalizeH="0" baseline="0" noProof="0" dirty="0" smtClean="0">
+              <a:rPr lang="en-GB" sz="1000" b="1" i="0" u="none" strike="noStrike" kern="1200" cap="none" spc="0" normalizeH="0" baseline="0" noProof="0" dirty="0">
                 <a:ln>
                   <a:noFill/>
                 </a:ln>
@@ -4720,7 +4634,7 @@
               <a:t>Link</a:t>
             </a:r>
             <a:r>
-              <a:rPr lang="en-GB" sz="1000" b="1" i="0" u="none" strike="noStrike" kern="1200" cap="none" spc="0" normalizeH="0" noProof="0" dirty="0" smtClean="0">
+              <a:rPr lang="en-GB" sz="1000" b="1" i="0" u="none" strike="noStrike" kern="1200" cap="none" spc="0" normalizeH="0" noProof="0" dirty="0">
                 <a:ln>
                   <a:noFill/>
                 </a:ln>
@@ -5809,18 +5723,18 @@
 </file>
 
 <file path=customXml/item2.xml><?xml version="1.0" encoding="utf-8"?>
+<p:properties xmlns:p="http://schemas.microsoft.com/office/2006/metadata/properties" xmlns:xsi="http://www.w3.org/2001/XMLSchema-instance" xmlns:pc="http://schemas.microsoft.com/office/infopath/2007/PartnerControls">
+  <documentManagement/>
+</p:properties>
+</file>
+
+<file path=customXml/item3.xml><?xml version="1.0" encoding="utf-8"?>
 <?mso-contentType ?>
 <FormTemplates xmlns="http://schemas.microsoft.com/sharepoint/v3/contenttype/forms">
   <Display>DocumentLibraryForm</Display>
   <Edit>DocumentLibraryForm</Edit>
   <New>DocumentLibraryForm</New>
 </FormTemplates>
-</file>
-
-<file path=customXml/item3.xml><?xml version="1.0" encoding="utf-8"?>
-<p:properties xmlns:p="http://schemas.microsoft.com/office/2006/metadata/properties" xmlns:xsi="http://www.w3.org/2001/XMLSchema-instance" xmlns:pc="http://schemas.microsoft.com/office/infopath/2007/PartnerControls">
-  <documentManagement/>
-</p:properties>
 </file>
 
 <file path=customXml/itemProps1.xml><?xml version="1.0" encoding="utf-8"?>
@@ -5843,14 +5757,6 @@
 </file>
 
 <file path=customXml/itemProps2.xml><?xml version="1.0" encoding="utf-8"?>
-<ds:datastoreItem xmlns:ds="http://schemas.openxmlformats.org/officeDocument/2006/customXml" ds:itemID="{EBE5D103-2F84-4968-8723-2C70E1A62AAC}">
-  <ds:schemaRefs>
-    <ds:schemaRef ds:uri="http://schemas.microsoft.com/sharepoint/v3/contenttype/forms"/>
-  </ds:schemaRefs>
-</ds:datastoreItem>
-</file>
-
-<file path=customXml/itemProps3.xml><?xml version="1.0" encoding="utf-8"?>
 <ds:datastoreItem xmlns:ds="http://schemas.openxmlformats.org/officeDocument/2006/customXml" ds:itemID="{BADEE82A-F99D-43F9-B825-2BC8A5EBF6F5}">
   <ds:schemaRefs>
     <ds:schemaRef ds:uri="http://purl.org/dc/elements/1.1/"/>
@@ -5865,4 +5771,12 @@
     <ds:schemaRef ds:uri="http://purl.org/dc/dcmitype/"/>
   </ds:schemaRefs>
 </ds:datastoreItem>
+</file>
+
+<file path=customXml/itemProps3.xml><?xml version="1.0" encoding="utf-8"?>
+<ds:datastoreItem xmlns:ds="http://schemas.openxmlformats.org/officeDocument/2006/customXml" ds:itemID="{EBE5D103-2F84-4968-8723-2C70E1A62AAC}">
+  <ds:schemaRefs>
+    <ds:schemaRef ds:uri="http://schemas.microsoft.com/sharepoint/v3/contenttype/forms"/>
+  </ds:schemaRefs>
+</ds:datastoreItem>
 </file>
--- a/Progress_Status_2.pptx
+++ b/Progress_Status_2.pptx
@@ -371,7 +371,7 @@
             <a:fld id="{D4C110CA-FC68-43DA-BD62-0A387A11A067}" type="datetimeFigureOut">
               <a:rPr lang="en-US" smtClean="0"/>
               <a:pPr/>
-              <a:t>3/6/2022</a:t>
+              <a:t>3/6/22</a:t>
             </a:fld>
             <a:endParaRPr lang="en-US"/>
           </a:p>
@@ -791,7 +791,7 @@
             <a:fld id="{D4C110CA-FC68-43DA-BD62-0A387A11A067}" type="datetimeFigureOut">
               <a:rPr lang="en-US" smtClean="0"/>
               <a:pPr/>
-              <a:t>3/6/2022</a:t>
+              <a:t>3/6/22</a:t>
             </a:fld>
             <a:endParaRPr lang="en-US"/>
           </a:p>
@@ -1420,7 +1420,7 @@
           <a:p>
             <a:fld id="{569D7F56-AB9D-45DF-9F98-942E1E722FC5}" type="datetime1">
               <a:rPr lang="en-US" smtClean="0"/>
-              <a:t>3/6/2022</a:t>
+              <a:t>3/6/22</a:t>
             </a:fld>
             <a:endParaRPr lang="en-US"/>
           </a:p>
@@ -1748,7 +1748,7 @@
           <a:p>
             <a:fld id="{9C30D75E-8EE4-4FE8-BC40-DEE6124551E3}" type="datetime1">
               <a:rPr lang="en-US" smtClean="0"/>
-              <a:t>3/6/2022</a:t>
+              <a:t>3/6/22</a:t>
             </a:fld>
             <a:endParaRPr lang="en-US"/>
           </a:p>
@@ -1985,7 +1985,7 @@
           <p:cNvPr id="8" name="MSIPCMContentMarking" descr="{&quot;HashCode&quot;:-242339457,&quot;Placement&quot;:&quot;Footer&quot;}">
             <a:extLst>
               <a:ext uri="{FF2B5EF4-FFF2-40B4-BE49-F238E27FC236}">
-                <a16:creationId xmlns:a16="http://schemas.microsoft.com/office/drawing/2014/main" id="{14A6A8EE-9F92-4900-BAF5-FBD48B8CD07B}"/>
+                <a16:creationId xmlns:a16="http://schemas.microsoft.com/office/drawing/2014/main" xmlns="" id="{14A6A8EE-9F92-4900-BAF5-FBD48B8CD07B}"/>
               </a:ext>
             </a:extLst>
           </p:cNvPr>
@@ -2467,7 +2467,7 @@
           <a:graphicData uri="http://schemas.openxmlformats.org/presentationml/2006/ole">
             <mc:AlternateContent xmlns:mc="http://schemas.openxmlformats.org/markup-compatibility/2006">
               <mc:Choice xmlns:v="urn:schemas-microsoft-com:vml" Requires="v">
-                <p:oleObj spid="_x0000_s1052" name="think-cell Slide" r:id="rId6" imgW="270" imgH="270" progId="TCLayout.ActiveDocument.1">
+                <p:oleObj spid="_x0000_s1055" name="think-cell Slide" r:id="rId6" imgW="270" imgH="270" progId="TCLayout.ActiveDocument.1">
                   <p:embed/>
                 </p:oleObj>
               </mc:Choice>
@@ -2732,7 +2732,7 @@
           <p:cNvPr id="30" name="Rectangle: Rounded Corners 29">
             <a:extLst>
               <a:ext uri="{FF2B5EF4-FFF2-40B4-BE49-F238E27FC236}">
-                <a16:creationId xmlns:a16="http://schemas.microsoft.com/office/drawing/2014/main" id="{96B31DCE-FE26-4A50-8779-40C386056135}"/>
+                <a16:creationId xmlns:a16="http://schemas.microsoft.com/office/drawing/2014/main" xmlns="" id="{96B31DCE-FE26-4A50-8779-40C386056135}"/>
               </a:ext>
             </a:extLst>
           </p:cNvPr>
@@ -2811,7 +2811,7 @@
           <p:cNvPr id="31" name="Group 76">
             <a:extLst>
               <a:ext uri="{FF2B5EF4-FFF2-40B4-BE49-F238E27FC236}">
-                <a16:creationId xmlns:a16="http://schemas.microsoft.com/office/drawing/2014/main" id="{CC0A1483-DF3D-45BE-B887-CB285D84E8EA}"/>
+                <a16:creationId xmlns:a16="http://schemas.microsoft.com/office/drawing/2014/main" xmlns="" id="{CC0A1483-DF3D-45BE-B887-CB285D84E8EA}"/>
               </a:ext>
             </a:extLst>
           </p:cNvPr>
@@ -2840,7 +2840,7 @@
                 <a:gridCol w="11734483">
                   <a:extLst>
                     <a:ext uri="{9D8B030D-6E8A-4147-A177-3AD203B41FA5}">
-                      <a16:colId xmlns:a16="http://schemas.microsoft.com/office/drawing/2014/main" val="20000"/>
+                      <a16:colId xmlns:a16="http://schemas.microsoft.com/office/drawing/2014/main" xmlns="" val="20000"/>
                     </a:ext>
                   </a:extLst>
                 </a:gridCol>
@@ -2908,7 +2908,7 @@
                 </a:tc>
                 <a:extLst>
                   <a:ext uri="{0D108BD9-81ED-4DB2-BD59-A6C34878D82A}">
-                    <a16:rowId xmlns:a16="http://schemas.microsoft.com/office/drawing/2014/main" val="10000"/>
+                    <a16:rowId xmlns:a16="http://schemas.microsoft.com/office/drawing/2014/main" xmlns="" val="10000"/>
                   </a:ext>
                 </a:extLst>
               </a:tr>
@@ -2921,7 +2921,7 @@
           <p:cNvPr id="32" name="Group 77">
             <a:extLst>
               <a:ext uri="{FF2B5EF4-FFF2-40B4-BE49-F238E27FC236}">
-                <a16:creationId xmlns:a16="http://schemas.microsoft.com/office/drawing/2014/main" id="{98257ECF-45B8-481F-B073-88E6B4B91EDB}"/>
+                <a16:creationId xmlns:a16="http://schemas.microsoft.com/office/drawing/2014/main" xmlns="" id="{98257ECF-45B8-481F-B073-88E6B4B91EDB}"/>
               </a:ext>
             </a:extLst>
           </p:cNvPr>
@@ -2950,7 +2950,7 @@
                 <a:gridCol w="6301058">
                   <a:extLst>
                     <a:ext uri="{9D8B030D-6E8A-4147-A177-3AD203B41FA5}">
-                      <a16:colId xmlns:a16="http://schemas.microsoft.com/office/drawing/2014/main" val="20000"/>
+                      <a16:colId xmlns:a16="http://schemas.microsoft.com/office/drawing/2014/main" xmlns="" val="20000"/>
                     </a:ext>
                   </a:extLst>
                 </a:gridCol>
@@ -3009,7 +3009,7 @@
                 </a:tc>
                 <a:extLst>
                   <a:ext uri="{0D108BD9-81ED-4DB2-BD59-A6C34878D82A}">
-                    <a16:rowId xmlns:a16="http://schemas.microsoft.com/office/drawing/2014/main" val="10000"/>
+                    <a16:rowId xmlns:a16="http://schemas.microsoft.com/office/drawing/2014/main" xmlns="" val="10000"/>
                   </a:ext>
                 </a:extLst>
               </a:tr>
@@ -3096,7 +3096,7 @@
                 </a:tc>
                 <a:extLst>
                   <a:ext uri="{0D108BD9-81ED-4DB2-BD59-A6C34878D82A}">
-                    <a16:rowId xmlns:a16="http://schemas.microsoft.com/office/drawing/2014/main" val="10001"/>
+                    <a16:rowId xmlns:a16="http://schemas.microsoft.com/office/drawing/2014/main" xmlns="" val="10001"/>
                   </a:ext>
                 </a:extLst>
               </a:tr>
@@ -3109,7 +3109,7 @@
           <p:cNvPr id="33" name="Group 77">
             <a:extLst>
               <a:ext uri="{FF2B5EF4-FFF2-40B4-BE49-F238E27FC236}">
-                <a16:creationId xmlns:a16="http://schemas.microsoft.com/office/drawing/2014/main" id="{D1FFF23A-C9C0-4990-B613-435FE74B2902}"/>
+                <a16:creationId xmlns:a16="http://schemas.microsoft.com/office/drawing/2014/main" xmlns="" id="{D1FFF23A-C9C0-4990-B613-435FE74B2902}"/>
               </a:ext>
             </a:extLst>
           </p:cNvPr>
@@ -3119,14 +3119,14 @@
           <p:nvPr>
             <p:extLst>
               <p:ext uri="{D42A27DB-BD31-4B8C-83A1-F6EECF244321}">
-                <p14:modId xmlns:p14="http://schemas.microsoft.com/office/powerpoint/2010/main" val="2769606150"/>
+                <p14:modId xmlns:p14="http://schemas.microsoft.com/office/powerpoint/2010/main" val="1978231188"/>
               </p:ext>
             </p:extLst>
           </p:nvPr>
         </p:nvGraphicFramePr>
         <p:xfrm>
           <a:off x="6620127" y="1695314"/>
-          <a:ext cx="5333996" cy="4888356"/>
+          <a:ext cx="5333996" cy="4899117"/>
         </p:xfrm>
         <a:graphic>
           <a:graphicData uri="http://schemas.openxmlformats.org/drawingml/2006/table">
@@ -3138,7 +3138,7 @@
                 <a:gridCol w="5333996">
                   <a:extLst>
                     <a:ext uri="{9D8B030D-6E8A-4147-A177-3AD203B41FA5}">
-                      <a16:colId xmlns:a16="http://schemas.microsoft.com/office/drawing/2014/main" val="20000"/>
+                      <a16:colId xmlns:a16="http://schemas.microsoft.com/office/drawing/2014/main" xmlns="" val="20000"/>
                     </a:ext>
                   </a:extLst>
                 </a:gridCol>
@@ -3191,7 +3191,7 @@
                 </a:tc>
                 <a:extLst>
                   <a:ext uri="{0D108BD9-81ED-4DB2-BD59-A6C34878D82A}">
-                    <a16:rowId xmlns:a16="http://schemas.microsoft.com/office/drawing/2014/main" val="10000"/>
+                    <a16:rowId xmlns:a16="http://schemas.microsoft.com/office/drawing/2014/main" xmlns="" val="10000"/>
                   </a:ext>
                 </a:extLst>
               </a:tr>
@@ -3336,8 +3336,61 @@
                           <a:uLnTx/>
                           <a:uFillTx/>
                         </a:rPr>
-                        <a:t>Performed Linear regression, and did an exhaustive search for best combination of features</a:t>
+                        <a:t>Performed Linear regression, and did an exhaustive search for best combination of </a:t>
                       </a:r>
+                      <a:r>
+                        <a:rPr kumimoji="0" lang="en-GB" sz="1000" b="1" u="none" strike="noStrike" kern="1200" cap="none" spc="0" normalizeH="0" baseline="0" noProof="0" dirty="0" smtClean="0">
+                          <a:ln>
+                            <a:noFill/>
+                          </a:ln>
+                          <a:solidFill>
+                            <a:schemeClr val="tx1"/>
+                          </a:solidFill>
+                          <a:effectLst/>
+                          <a:uLnTx/>
+                          <a:uFillTx/>
+                        </a:rPr>
+                        <a:t>features, using “</a:t>
+                      </a:r>
+                      <a:r>
+                        <a:rPr kumimoji="0" lang="en-GB" sz="1000" b="1" u="none" strike="noStrike" kern="1200" cap="none" spc="0" normalizeH="0" baseline="0" noProof="0" dirty="0" err="1" smtClean="0">
+                          <a:ln>
+                            <a:noFill/>
+                          </a:ln>
+                          <a:solidFill>
+                            <a:schemeClr val="tx1"/>
+                          </a:solidFill>
+                          <a:effectLst/>
+                          <a:uLnTx/>
+                          <a:uFillTx/>
+                        </a:rPr>
+                        <a:t>ols_step_best_subset</a:t>
+                      </a:r>
+                      <a:r>
+                        <a:rPr kumimoji="0" lang="en-GB" sz="1000" b="1" u="none" strike="noStrike" kern="1200" cap="none" spc="0" normalizeH="0" baseline="0" noProof="0" smtClean="0">
+                          <a:ln>
+                            <a:noFill/>
+                          </a:ln>
+                          <a:solidFill>
+                            <a:schemeClr val="tx1"/>
+                          </a:solidFill>
+                          <a:effectLst/>
+                          <a:uLnTx/>
+                          <a:uFillTx/>
+                        </a:rPr>
+                        <a:t>”</a:t>
+                      </a:r>
+                      <a:endParaRPr kumimoji="0" lang="en-GB" sz="1000" b="1" u="none" strike="noStrike" kern="1200" cap="none" spc="0" normalizeH="0" baseline="0" noProof="0" dirty="0">
+                        <a:ln>
+                          <a:noFill/>
+                        </a:ln>
+                        <a:solidFill>
+                          <a:schemeClr val="tx1"/>
+                        </a:solidFill>
+                        <a:effectLst/>
+                        <a:uLnTx/>
+                        <a:uFillTx/>
+                      </a:endParaRPr>
                     </a:p>
                     <a:p>
                       <a:pPr marL="0" marR="0" lvl="0" indent="0" algn="l" rtl="0" eaLnBrk="1" fontAlgn="base" latinLnBrk="0" hangingPunct="1">
@@ -3502,7 +3555,7 @@
                         <a:buChar char="§"/>
                       </a:pPr>
                       <a:r>
-                        <a:rPr kumimoji="0" lang="en-GB" sz="1000" b="1" u="none" strike="noStrike" kern="1200" cap="none" spc="0" normalizeH="0" baseline="0" noProof="0" dirty="0">
+                        <a:rPr kumimoji="0" lang="en-GB" sz="1000" b="1" u="none" strike="noStrike" kern="1200" cap="none" spc="0" normalizeH="0" baseline="0" noProof="0" dirty="0" smtClean="0">
                           <a:ln>
                             <a:noFill/>
                           </a:ln>
@@ -3513,8 +3566,19 @@
                           <a:uLnTx/>
                           <a:uFillTx/>
                         </a:rPr>
-                        <a:t>PCA</a:t>
+                        <a:t>Attempted PCA</a:t>
                       </a:r>
+                      <a:endParaRPr kumimoji="0" lang="en-GB" sz="1000" b="1" u="none" strike="noStrike" kern="1200" cap="none" spc="0" normalizeH="0" baseline="0" noProof="0" dirty="0">
+                        <a:ln>
+                          <a:noFill/>
+                        </a:ln>
+                        <a:solidFill>
+                          <a:schemeClr val="tx1"/>
+                        </a:solidFill>
+                        <a:effectLst/>
+                        <a:uLnTx/>
+                        <a:uFillTx/>
+                      </a:endParaRPr>
                     </a:p>
                     <a:p>
                       <a:pPr marL="112395" marR="0" lvl="0" indent="-112395" algn="l" rtl="0" eaLnBrk="1" fontAlgn="base" latinLnBrk="0" hangingPunct="1">
@@ -3580,7 +3644,7 @@
                 </a:tc>
                 <a:extLst>
                   <a:ext uri="{0D108BD9-81ED-4DB2-BD59-A6C34878D82A}">
-                    <a16:rowId xmlns:a16="http://schemas.microsoft.com/office/drawing/2014/main" val="10001"/>
+                    <a16:rowId xmlns:a16="http://schemas.microsoft.com/office/drawing/2014/main" xmlns="" val="10001"/>
                   </a:ext>
                 </a:extLst>
               </a:tr>
@@ -3593,7 +3657,7 @@
           <p:cNvPr id="36" name="Rectangle: Rounded Corners 35">
             <a:extLst>
               <a:ext uri="{FF2B5EF4-FFF2-40B4-BE49-F238E27FC236}">
-                <a16:creationId xmlns:a16="http://schemas.microsoft.com/office/drawing/2014/main" id="{BB735C57-A501-4D95-BE54-CE03563D7929}"/>
+                <a16:creationId xmlns:a16="http://schemas.microsoft.com/office/drawing/2014/main" xmlns="" id="{BB735C57-A501-4D95-BE54-CE03563D7929}"/>
               </a:ext>
             </a:extLst>
           </p:cNvPr>
@@ -3672,7 +3736,7 @@
           <p:cNvPr id="37" name="Group 79">
             <a:extLst>
               <a:ext uri="{FF2B5EF4-FFF2-40B4-BE49-F238E27FC236}">
-                <a16:creationId xmlns:a16="http://schemas.microsoft.com/office/drawing/2014/main" id="{0B10B350-64ED-4B92-9E40-03FF6E86DBF6}"/>
+                <a16:creationId xmlns:a16="http://schemas.microsoft.com/office/drawing/2014/main" xmlns="" id="{0B10B350-64ED-4B92-9E40-03FF6E86DBF6}"/>
               </a:ext>
             </a:extLst>
           </p:cNvPr>
@@ -3701,14 +3765,14 @@
                 <a:gridCol w="2572795">
                   <a:extLst>
                     <a:ext uri="{9D8B030D-6E8A-4147-A177-3AD203B41FA5}">
-                      <a16:colId xmlns:a16="http://schemas.microsoft.com/office/drawing/2014/main" val="20000"/>
+                      <a16:colId xmlns:a16="http://schemas.microsoft.com/office/drawing/2014/main" xmlns="" val="20000"/>
                     </a:ext>
                   </a:extLst>
                 </a:gridCol>
                 <a:gridCol w="1594108">
                   <a:extLst>
                     <a:ext uri="{9D8B030D-6E8A-4147-A177-3AD203B41FA5}">
-                      <a16:colId xmlns:a16="http://schemas.microsoft.com/office/drawing/2014/main" val="20001"/>
+                      <a16:colId xmlns:a16="http://schemas.microsoft.com/office/drawing/2014/main" xmlns="" val="20001"/>
                     </a:ext>
                   </a:extLst>
                 </a:gridCol>
@@ -3897,7 +3961,7 @@
                 </a:tc>
                 <a:extLst>
                   <a:ext uri="{0D108BD9-81ED-4DB2-BD59-A6C34878D82A}">
-                    <a16:rowId xmlns:a16="http://schemas.microsoft.com/office/drawing/2014/main" val="10000"/>
+                    <a16:rowId xmlns:a16="http://schemas.microsoft.com/office/drawing/2014/main" xmlns="" val="10000"/>
                   </a:ext>
                 </a:extLst>
               </a:tr>
@@ -4085,7 +4149,7 @@
                 </a:tc>
                 <a:extLst>
                   <a:ext uri="{0D108BD9-81ED-4DB2-BD59-A6C34878D82A}">
-                    <a16:rowId xmlns:a16="http://schemas.microsoft.com/office/drawing/2014/main" val="10001"/>
+                    <a16:rowId xmlns:a16="http://schemas.microsoft.com/office/drawing/2014/main" xmlns="" val="10001"/>
                   </a:ext>
                 </a:extLst>
               </a:tr>
@@ -4098,7 +4162,7 @@
           <p:cNvPr id="38" name="Tabelle 20">
             <a:extLst>
               <a:ext uri="{FF2B5EF4-FFF2-40B4-BE49-F238E27FC236}">
-                <a16:creationId xmlns:a16="http://schemas.microsoft.com/office/drawing/2014/main" id="{EC9F2797-F988-44CB-8382-693DBC8A0F21}"/>
+                <a16:creationId xmlns:a16="http://schemas.microsoft.com/office/drawing/2014/main" xmlns="" id="{EC9F2797-F988-44CB-8382-693DBC8A0F21}"/>
               </a:ext>
             </a:extLst>
           </p:cNvPr>
@@ -4127,14 +4191,14 @@
                 <a:gridCol w="1028731">
                   <a:extLst>
                     <a:ext uri="{9D8B030D-6E8A-4147-A177-3AD203B41FA5}">
-                      <a16:colId xmlns:a16="http://schemas.microsoft.com/office/drawing/2014/main" val="20000"/>
+                      <a16:colId xmlns:a16="http://schemas.microsoft.com/office/drawing/2014/main" xmlns="" val="20000"/>
                     </a:ext>
                   </a:extLst>
                 </a:gridCol>
                 <a:gridCol w="801637">
                   <a:extLst>
                     <a:ext uri="{9D8B030D-6E8A-4147-A177-3AD203B41FA5}">
-                      <a16:colId xmlns:a16="http://schemas.microsoft.com/office/drawing/2014/main" val="20001"/>
+                      <a16:colId xmlns:a16="http://schemas.microsoft.com/office/drawing/2014/main" xmlns="" val="20001"/>
                     </a:ext>
                   </a:extLst>
                 </a:gridCol>
@@ -4316,7 +4380,7 @@
                 </a:tc>
                 <a:extLst>
                   <a:ext uri="{0D108BD9-81ED-4DB2-BD59-A6C34878D82A}">
-                    <a16:rowId xmlns:a16="http://schemas.microsoft.com/office/drawing/2014/main" val="10000"/>
+                    <a16:rowId xmlns:a16="http://schemas.microsoft.com/office/drawing/2014/main" xmlns="" val="10000"/>
                   </a:ext>
                 </a:extLst>
               </a:tr>
@@ -4329,7 +4393,7 @@
           <p:cNvPr id="8" name="TextBox 7">
             <a:extLst>
               <a:ext uri="{FF2B5EF4-FFF2-40B4-BE49-F238E27FC236}">
-                <a16:creationId xmlns:a16="http://schemas.microsoft.com/office/drawing/2014/main" id="{44E3C0C7-7427-4CB3-B854-12CD21E5D4DD}"/>
+                <a16:creationId xmlns:a16="http://schemas.microsoft.com/office/drawing/2014/main" xmlns="" id="{44E3C0C7-7427-4CB3-B854-12CD21E5D4DD}"/>
               </a:ext>
             </a:extLst>
           </p:cNvPr>

--- a/Progress_Status_2.pptx
+++ b/Progress_Status_2.pptx
@@ -2467,7 +2467,7 @@
           <a:graphicData uri="http://schemas.openxmlformats.org/presentationml/2006/ole">
             <mc:AlternateContent xmlns:mc="http://schemas.openxmlformats.org/markup-compatibility/2006">
               <mc:Choice xmlns:v="urn:schemas-microsoft-com:vml" Requires="v">
-                <p:oleObj spid="_x0000_s1055" name="think-cell Slide" r:id="rId6" imgW="270" imgH="270" progId="TCLayout.ActiveDocument.1">
+                <p:oleObj spid="_x0000_s1057" name="think-cell Slide" r:id="rId6" imgW="270" imgH="270" progId="TCLayout.ActiveDocument.1">
                   <p:embed/>
                 </p:oleObj>
               </mc:Choice>
@@ -3119,7 +3119,7 @@
           <p:nvPr>
             <p:extLst>
               <p:ext uri="{D42A27DB-BD31-4B8C-83A1-F6EECF244321}">
-                <p14:modId xmlns:p14="http://schemas.microsoft.com/office/powerpoint/2010/main" val="1978231188"/>
+                <p14:modId xmlns:p14="http://schemas.microsoft.com/office/powerpoint/2010/main" val="353406850"/>
               </p:ext>
             </p:extLst>
           </p:nvPr>
@@ -3367,6 +3367,20 @@
                         <a:t>ols_step_best_subset</a:t>
                       </a:r>
                       <a:r>
+                        <a:rPr kumimoji="0" lang="en-GB" sz="1000" b="1" u="none" strike="noStrike" kern="1200" cap="none" spc="0" normalizeH="0" baseline="0" noProof="0" dirty="0" smtClean="0">
+                          <a:ln>
+                            <a:noFill/>
+                          </a:ln>
+                          <a:solidFill>
+                            <a:schemeClr val="tx1"/>
+                          </a:solidFill>
+                          <a:effectLst/>
+                          <a:uLnTx/>
+                          <a:uFillTx/>
+                        </a:rPr>
+                        <a:t>”, below is the a plot of the R^2 values produced by adding in </a:t>
+                      </a:r>
+                      <a:r>
                         <a:rPr kumimoji="0" lang="en-GB" sz="1000" b="1" u="none" strike="noStrike" kern="1200" cap="none" spc="0" normalizeH="0" baseline="0" noProof="0" smtClean="0">
                           <a:ln>
                             <a:noFill/>
@@ -3378,7 +3392,7 @@
                           <a:uLnTx/>
                           <a:uFillTx/>
                         </a:rPr>
-                        <a:t>”</a:t>
+                        <a:t>the various variables</a:t>
                       </a:r>
                       <a:endParaRPr kumimoji="0" lang="en-GB" sz="1000" b="1" u="none" strike="noStrike" kern="1200" cap="none" spc="0" normalizeH="0" baseline="0" noProof="0" dirty="0">
                         <a:ln>
@@ -3444,7 +3458,35 @@
                           <a:uLnTx/>
                           <a:uFillTx/>
                         </a:rPr>
-                        <a:t>Attempted Cross-Validation functions in R using ”</a:t>
+                        <a:t>Attempted </a:t>
+                      </a:r>
+                      <a:r>
+                        <a:rPr kumimoji="0" lang="en-GB" sz="1000" b="1" u="none" strike="noStrike" kern="1200" cap="none" spc="0" normalizeH="0" baseline="0" noProof="0" dirty="0" smtClean="0">
+                          <a:ln>
+                            <a:noFill/>
+                          </a:ln>
+                          <a:solidFill>
+                            <a:schemeClr val="tx1"/>
+                          </a:solidFill>
+                          <a:effectLst/>
+                          <a:uLnTx/>
+                          <a:uFillTx/>
+                        </a:rPr>
+                        <a:t>PCA and Cross-Validation </a:t>
+                      </a:r>
+                      <a:r>
+                        <a:rPr kumimoji="0" lang="en-GB" sz="1000" b="1" u="none" strike="noStrike" kern="1200" cap="none" spc="0" normalizeH="0" baseline="0" noProof="0" dirty="0">
+                          <a:ln>
+                            <a:noFill/>
+                          </a:ln>
+                          <a:solidFill>
+                            <a:schemeClr val="tx1"/>
+                          </a:solidFill>
+                          <a:effectLst/>
+                          <a:uLnTx/>
+                          <a:uFillTx/>
+                        </a:rPr>
+                        <a:t>functions in R using ”</a:t>
                       </a:r>
                       <a:r>
                         <a:rPr kumimoji="0" lang="en-GB" sz="1000" b="1" u="none" strike="noStrike" kern="1200" cap="none" spc="0" normalizeH="0" baseline="0" noProof="0" dirty="0" err="1">
@@ -3500,62 +3542,10 @@
                           <a:uLnTx/>
                           <a:uFillTx/>
                         </a:rPr>
-                        <a:t> package</a:t>
+                        <a:t> </a:t>
                       </a:r>
-                      <a:endParaRPr kumimoji="0" lang="en-GB" sz="1000" b="1" u="none" strike="noStrike" kern="1200" cap="none" spc="0" normalizeH="0" baseline="0" noProof="0" dirty="0">
-                        <a:ln>
-                          <a:noFill/>
-                        </a:ln>
-                        <a:solidFill>
-                          <a:schemeClr val="tx1"/>
-                        </a:solidFill>
-                        <a:effectLst/>
-                        <a:uLnTx/>
-                        <a:uFillTx/>
-                      </a:endParaRPr>
-                    </a:p>
-                    <a:p>
-                      <a:pPr marL="112395" marR="0" lvl="0" indent="-112395" algn="l" rtl="0" eaLnBrk="1" fontAlgn="base" latinLnBrk="0" hangingPunct="1">
-                        <a:lnSpc>
-                          <a:spcPct val="100000"/>
-                        </a:lnSpc>
-                        <a:spcBef>
-                          <a:spcPct val="0"/>
-                        </a:spcBef>
-                        <a:spcAft>
-                          <a:spcPct val="25000"/>
-                        </a:spcAft>
-                        <a:buFont typeface="Wingdings" pitchFamily="2" charset="2"/>
-                        <a:buChar char="§"/>
-                      </a:pPr>
-                      <a:endParaRPr kumimoji="0" lang="en-GB" sz="1000" b="1" u="none" strike="noStrike" kern="1200" cap="none" spc="0" normalizeH="0" baseline="0" noProof="0" dirty="0">
-                        <a:ln>
-                          <a:noFill/>
-                        </a:ln>
-                        <a:solidFill>
-                          <a:schemeClr val="tx1"/>
-                        </a:solidFill>
-                        <a:effectLst/>
-                        <a:uLnTx/>
-                        <a:uFillTx/>
-                      </a:endParaRPr>
-                    </a:p>
-                    <a:p>
-                      <a:pPr marL="112395" marR="0" lvl="0" indent="-112395" algn="l" rtl="0" eaLnBrk="1" fontAlgn="base" latinLnBrk="0" hangingPunct="1">
-                        <a:lnSpc>
-                          <a:spcPct val="100000"/>
-                        </a:lnSpc>
-                        <a:spcBef>
-                          <a:spcPct val="0"/>
-                        </a:spcBef>
-                        <a:spcAft>
-                          <a:spcPct val="25000"/>
-                        </a:spcAft>
-                        <a:buFont typeface="Wingdings" pitchFamily="2" charset="2"/>
-                        <a:buChar char="§"/>
-                      </a:pPr>
                       <a:r>
-                        <a:rPr kumimoji="0" lang="en-GB" sz="1000" b="1" u="none" strike="noStrike" kern="1200" cap="none" spc="0" normalizeH="0" baseline="0" noProof="0" dirty="0" smtClean="0">
+                        <a:rPr kumimoji="0" lang="en-GB" sz="1000" b="1" i="0" u="none" strike="noStrike" kern="1200" cap="none" spc="0" normalizeH="0" baseline="0" noProof="0" dirty="0" smtClean="0">
                           <a:ln>
                             <a:noFill/>
                           </a:ln>
@@ -3566,7 +3556,7 @@
                           <a:uLnTx/>
                           <a:uFillTx/>
                         </a:rPr>
-                        <a:t>Attempted PCA</a:t>
+                        <a:t>package</a:t>
                       </a:r>
                       <a:endParaRPr kumimoji="0" lang="en-GB" sz="1000" b="1" u="none" strike="noStrike" kern="1200" cap="none" spc="0" normalizeH="0" baseline="0" noProof="0" dirty="0">
                         <a:ln>
@@ -3632,11 +3622,36 @@
                           <a:uLnTx/>
                           <a:uFillTx/>
                         </a:rPr>
-                        <a:t>Began looking into Random Forest</a:t>
+                        <a:t>Began looking into Random </a:t>
                       </a:r>
+                      <a:r>
+                        <a:rPr kumimoji="0" lang="en-GB" sz="1000" b="1" u="none" strike="noStrike" kern="1200" cap="none" spc="0" normalizeH="0" baseline="0" noProof="0" dirty="0" smtClean="0">
+                          <a:ln>
+                            <a:noFill/>
+                          </a:ln>
+                          <a:solidFill>
+                            <a:schemeClr val="tx1"/>
+                          </a:solidFill>
+                          <a:effectLst/>
+                          <a:uLnTx/>
+                          <a:uFillTx/>
+                        </a:rPr>
+                        <a:t>                                                                                       Forest</a:t>
+                      </a:r>
+                      <a:endParaRPr kumimoji="0" lang="en-GB" sz="1000" b="1" u="none" strike="noStrike" kern="1200" cap="none" spc="0" normalizeH="0" baseline="0" noProof="0" dirty="0">
+                        <a:ln>
+                          <a:noFill/>
+                        </a:ln>
+                        <a:solidFill>
+                          <a:schemeClr val="tx1"/>
+                        </a:solidFill>
+                        <a:effectLst/>
+                        <a:uLnTx/>
+                        <a:uFillTx/>
+                      </a:endParaRPr>
                     </a:p>
                   </a:txBody>
-                  <a:tcPr marL="95988" marR="119985" marT="36000" marB="36000" anchor="ctr" horzOverflow="overflow">
+                  <a:tcPr marL="95988" marR="119985" marT="36000" marB="36000" horzOverflow="overflow">
                     <a:solidFill>
                       <a:schemeClr val="bg1"/>
                     </a:solidFill>
@@ -4737,6 +4752,41 @@
           </a:p>
         </p:txBody>
       </p:sp>
+      <p:pic>
+        <p:nvPicPr>
+          <p:cNvPr id="5" name="Picture 4"/>
+          <p:cNvPicPr>
+            <a:picLocks noChangeAspect="1"/>
+          </p:cNvPicPr>
+          <p:nvPr/>
+        </p:nvPicPr>
+        <p:blipFill>
+          <a:blip r:embed="rId9">
+            <a:extLst>
+              <a:ext uri="{28A0092B-C50C-407E-A947-70E740481C1C}">
+                <a14:useLocalDpi xmlns:a14="http://schemas.microsoft.com/office/drawing/2010/main" val="0"/>
+              </a:ext>
+            </a:extLst>
+          </a:blip>
+          <a:stretch>
+            <a:fillRect/>
+          </a:stretch>
+        </p:blipFill>
+        <p:spPr>
+          <a:xfrm>
+            <a:off x="8688466" y="4732825"/>
+            <a:ext cx="3104066" cy="1702230"/>
+          </a:xfrm>
+          <a:prstGeom prst="rect">
+            <a:avLst/>
+          </a:prstGeom>
+          <a:ln>
+            <a:solidFill>
+              <a:schemeClr val="accent1"/>
+            </a:solidFill>
+          </a:ln>
+        </p:spPr>
+      </p:pic>
     </p:spTree>
     <p:extLst>
       <p:ext uri="{BB962C8B-B14F-4D97-AF65-F5344CB8AC3E}">
